--- a/4. Complex-Conditions/4. Complex-Conditions.pptx
+++ b/4. Complex-Conditions/4. Complex-Conditions.pptx
@@ -254,7 +254,7 @@
             <a:fld id="{FE5B4EDC-59C0-49C7-8ADA-5A781B329E02}" type="datetimeFigureOut">
               <a:rPr lang="en-US"/>
               <a:pPr/>
-              <a:t>3/26/2017</a:t>
+              <a:t>3/27/2017</a:t>
             </a:fld>
             <a:endParaRPr dirty="0"/>
           </a:p>
@@ -453,7 +453,7 @@
             <a:fld id="{F2D8D46A-B586-417D-BFBD-8C8FE0AAF762}" type="datetimeFigureOut">
               <a:rPr lang="en-US" smtClean="0"/>
               <a:pPr/>
-              <a:t>3/26/2017</a:t>
+              <a:t>3/27/2017</a:t>
             </a:fld>
             <a:endParaRPr lang="en-US"/>
           </a:p>
@@ -2171,7 +2171,7 @@
             <a:fld id="{055373AC-9AA7-423B-BA00-BA1C74164DBD}" type="datetime1">
               <a:rPr lang="en-US" smtClean="0"/>
               <a:pPr/>
-              <a:t>3/26/2017</a:t>
+              <a:t>3/27/2017</a:t>
             </a:fld>
             <a:endParaRPr lang="en-US" dirty="0"/>
           </a:p>
@@ -3339,7 +3339,7 @@
             <a:fld id="{055373AC-9AA7-423B-BA00-BA1C74164DBD}" type="datetime1">
               <a:rPr lang="en-US" smtClean="0"/>
               <a:pPr/>
-              <a:t>3/26/2017</a:t>
+              <a:t>3/27/2017</a:t>
             </a:fld>
             <a:endParaRPr lang="en-US" dirty="0"/>
           </a:p>
@@ -5513,7 +5513,7 @@
                 <a:latin typeface="Consolas" pitchFamily="49" charset="0"/>
                 <a:cs typeface="Consolas" pitchFamily="49" charset="0"/>
               </a:rPr>
-              <a:t>and</a:t>
+              <a:t>&amp;&amp;</a:t>
             </a:r>
             <a:r>
               <a:rPr lang="en-US" b="1" noProof="1">
@@ -5549,7 +5549,7 @@
                 <a:latin typeface="Consolas" pitchFamily="49" charset="0"/>
                 <a:cs typeface="Consolas" pitchFamily="49" charset="0"/>
               </a:rPr>
-              <a:t>and </a:t>
+              <a:t>&amp;&amp; </a:t>
             </a:r>
             <a:r>
               <a:rPr lang="en-US" b="1" noProof="1">
@@ -5619,7 +5619,7 @@
                 <a:latin typeface="Consolas" pitchFamily="49" charset="0"/>
                 <a:cs typeface="Consolas" pitchFamily="49" charset="0"/>
               </a:rPr>
-              <a:t>and</a:t>
+              <a:t>&amp;&amp;</a:t>
             </a:r>
             <a:r>
               <a:rPr lang="en-US" b="1" noProof="1">
@@ -5692,7 +5692,7 @@
                 <a:latin typeface="Consolas" pitchFamily="49" charset="0"/>
                 <a:cs typeface="Consolas" pitchFamily="49" charset="0"/>
               </a:rPr>
-              <a:t>else:</a:t>
+              <a:t>else</a:t>
             </a:r>
           </a:p>
           <a:p>
@@ -6326,7 +6326,7 @@
                 <a:latin typeface="Consolas" pitchFamily="49" charset="0"/>
                 <a:cs typeface="Consolas" pitchFamily="49" charset="0"/>
               </a:rPr>
-              <a:t>or</a:t>
+              <a:t>||</a:t>
             </a:r>
             <a:r>
               <a:rPr lang="en-US" sz="2800" b="1" noProof="1">
@@ -6362,7 +6362,7 @@
                 <a:latin typeface="Consolas" pitchFamily="49" charset="0"/>
                 <a:cs typeface="Consolas" pitchFamily="49" charset="0"/>
               </a:rPr>
-              <a:t>or</a:t>
+              <a:t>||</a:t>
             </a:r>
             <a:r>
               <a:rPr lang="en-US" sz="2800" b="1" noProof="1">
@@ -6805,7 +6805,7 @@
 </file>
 
 <file path=ppt/slides/slide13.xml><?xml version="1.0" encoding="utf-8"?>
-<p:sld xmlns:a="http://schemas.openxmlformats.org/drawingml/2006/main" xmlns:r="http://schemas.openxmlformats.org/officeDocument/2006/relationships" xmlns:p="http://schemas.openxmlformats.org/presentationml/2006/main" show="0">
+<p:sld xmlns:a="http://schemas.openxmlformats.org/drawingml/2006/main" xmlns:r="http://schemas.openxmlformats.org/officeDocument/2006/relationships" xmlns:p="http://schemas.openxmlformats.org/presentationml/2006/main">
   <p:cSld>
     <p:spTree>
       <p:nvGrpSpPr>
@@ -6907,7 +6907,7 @@
         <p:spPr bwMode="auto">
           <a:xfrm>
             <a:off x="912812" y="1850408"/>
-            <a:ext cx="10363200" cy="4164217"/>
+            <a:ext cx="10363200" cy="4143442"/>
           </a:xfrm>
           <a:prstGeom prst="rect">
             <a:avLst/>
@@ -6961,22 +6961,8 @@
                 <a:latin typeface="Consolas" pitchFamily="49" charset="0"/>
                 <a:cs typeface="Consolas" pitchFamily="49" charset="0"/>
               </a:rPr>
-              <a:t>s = input()</a:t>
-            </a:r>
-            <a:endParaRPr lang="bg-BG" sz="2800" b="1" noProof="1">
-              <a:solidFill>
-                <a:srgbClr val="FBEEDC"/>
-              </a:solidFill>
-              <a:effectLst>
-                <a:outerShdw blurRad="38100" dist="38100" dir="2700000" algn="tl">
-                  <a:srgbClr val="000000">
-                    <a:alpha val="43137"/>
-                  </a:srgbClr>
-                </a:outerShdw>
-              </a:effectLst>
-              <a:latin typeface="Consolas" pitchFamily="49" charset="0"/>
-              <a:cs typeface="Consolas" pitchFamily="49" charset="0"/>
-            </a:endParaRPr>
+              <a:t>string s; cin &gt;&gt; s;</a:t>
+            </a:r>
           </a:p>
           <a:p>
             <a:pPr eaLnBrk="0" hangingPunct="0">
@@ -7006,98 +6992,7 @@
                 <a:latin typeface="Consolas" pitchFamily="49" charset="0"/>
                 <a:cs typeface="Consolas" pitchFamily="49" charset="0"/>
               </a:rPr>
-              <a:t>if (s == 'banana' </a:t>
-            </a:r>
-            <a:r>
-              <a:rPr lang="en-US" sz="2800" b="1" noProof="1">
-                <a:solidFill>
-                  <a:schemeClr val="tx2">
-                    <a:lumMod val="75000"/>
-                  </a:schemeClr>
-                </a:solidFill>
-                <a:effectLst>
-                  <a:outerShdw blurRad="38100" dist="38100" dir="2700000" algn="tl">
-                    <a:srgbClr val="000000">
-                      <a:alpha val="43137"/>
-                    </a:srgbClr>
-                  </a:outerShdw>
-                </a:effectLst>
-                <a:latin typeface="Consolas" pitchFamily="49" charset="0"/>
-                <a:cs typeface="Consolas" pitchFamily="49" charset="0"/>
-              </a:rPr>
-              <a:t>or</a:t>
-            </a:r>
-            <a:r>
-              <a:rPr lang="en-US" sz="2800" b="1" noProof="1">
-                <a:solidFill>
-                  <a:srgbClr val="FBEEDC"/>
-                </a:solidFill>
-                <a:effectLst>
-                  <a:outerShdw blurRad="38100" dist="38100" dir="2700000" algn="tl">
-                    <a:srgbClr val="000000">
-                      <a:alpha val="43137"/>
-                    </a:srgbClr>
-                  </a:outerShdw>
-                </a:effectLst>
-                <a:latin typeface="Consolas" pitchFamily="49" charset="0"/>
-                <a:cs typeface="Consolas" pitchFamily="49" charset="0"/>
-              </a:rPr>
-              <a:t> s == 'apple' </a:t>
-            </a:r>
-            <a:r>
-              <a:rPr lang="en-US" sz="2800" b="1" noProof="1">
-                <a:solidFill>
-                  <a:schemeClr val="tx2">
-                    <a:lumMod val="75000"/>
-                  </a:schemeClr>
-                </a:solidFill>
-                <a:effectLst>
-                  <a:outerShdw blurRad="38100" dist="38100" dir="2700000" algn="tl">
-                    <a:srgbClr val="000000">
-                      <a:alpha val="43137"/>
-                    </a:srgbClr>
-                  </a:outerShdw>
-                </a:effectLst>
-                <a:latin typeface="Consolas" pitchFamily="49" charset="0"/>
-                <a:cs typeface="Consolas" pitchFamily="49" charset="0"/>
-              </a:rPr>
-              <a:t>or</a:t>
-            </a:r>
-            <a:r>
-              <a:rPr lang="en-US" sz="2800" b="1" noProof="1">
-                <a:solidFill>
-                  <a:srgbClr val="FBEEDC"/>
-                </a:solidFill>
-                <a:effectLst>
-                  <a:outerShdw blurRad="38100" dist="38100" dir="2700000" algn="tl">
-                    <a:srgbClr val="000000">
-                      <a:alpha val="43137"/>
-                    </a:srgbClr>
-                  </a:outerShdw>
-                </a:effectLst>
-                <a:latin typeface="Consolas" pitchFamily="49" charset="0"/>
-                <a:cs typeface="Consolas" pitchFamily="49" charset="0"/>
-              </a:rPr>
-              <a:t> s == 'kiwi' </a:t>
-            </a:r>
-            <a:r>
-              <a:rPr lang="en-US" sz="2800" b="1" noProof="1">
-                <a:solidFill>
-                  <a:schemeClr val="tx2">
-                    <a:lumMod val="75000"/>
-                  </a:schemeClr>
-                </a:solidFill>
-                <a:effectLst>
-                  <a:outerShdw blurRad="38100" dist="38100" dir="2700000" algn="tl">
-                    <a:srgbClr val="000000">
-                      <a:alpha val="43137"/>
-                    </a:srgbClr>
-                  </a:outerShdw>
-                </a:effectLst>
-                <a:latin typeface="Consolas" pitchFamily="49" charset="0"/>
-                <a:cs typeface="Consolas" pitchFamily="49" charset="0"/>
-              </a:rPr>
-              <a:t>or </a:t>
+              <a:t>if (s == "banana" || s == "apple" || s == "kiwi" ||</a:t>
             </a:r>
           </a:p>
           <a:p>
@@ -7116,9 +7011,7 @@
             <a:r>
               <a:rPr lang="en-US" sz="2800" b="1" noProof="1">
                 <a:solidFill>
-                  <a:schemeClr val="tx2">
-                    <a:lumMod val="75000"/>
-                  </a:schemeClr>
+                  <a:srgbClr val="FBEEDC"/>
                 </a:solidFill>
                 <a:effectLst>
                   <a:outerShdw blurRad="38100" dist="38100" dir="2700000" algn="tl">
@@ -7130,96 +7023,7 @@
                 <a:latin typeface="Consolas" pitchFamily="49" charset="0"/>
                 <a:cs typeface="Consolas" pitchFamily="49" charset="0"/>
               </a:rPr>
-              <a:t>   </a:t>
-            </a:r>
-            <a:r>
-              <a:rPr lang="en-US" sz="2800" b="1" noProof="1">
-                <a:solidFill>
-                  <a:srgbClr val="FBEEDC"/>
-                </a:solidFill>
-                <a:effectLst>
-                  <a:outerShdw blurRad="38100" dist="38100" dir="2700000" algn="tl">
-                    <a:srgbClr val="000000">
-                      <a:alpha val="43137"/>
-                    </a:srgbClr>
-                  </a:outerShdw>
-                </a:effectLst>
-                <a:latin typeface="Consolas" pitchFamily="49" charset="0"/>
-                <a:cs typeface="Consolas" pitchFamily="49" charset="0"/>
-              </a:rPr>
-              <a:t>s == 'cherry' </a:t>
-            </a:r>
-            <a:r>
-              <a:rPr lang="en-US" sz="2800" b="1" noProof="1">
-                <a:solidFill>
-                  <a:schemeClr val="tx2">
-                    <a:lumMod val="75000"/>
-                  </a:schemeClr>
-                </a:solidFill>
-                <a:effectLst>
-                  <a:outerShdw blurRad="38100" dist="38100" dir="2700000" algn="tl">
-                    <a:srgbClr val="000000">
-                      <a:alpha val="43137"/>
-                    </a:srgbClr>
-                  </a:outerShdw>
-                </a:effectLst>
-                <a:latin typeface="Consolas" pitchFamily="49" charset="0"/>
-                <a:cs typeface="Consolas" pitchFamily="49" charset="0"/>
-              </a:rPr>
-              <a:t>or</a:t>
-            </a:r>
-            <a:r>
-              <a:rPr lang="en-US" sz="2800" b="1" noProof="1">
-                <a:solidFill>
-                  <a:srgbClr val="FBEEDC"/>
-                </a:solidFill>
-                <a:effectLst>
-                  <a:outerShdw blurRad="38100" dist="38100" dir="2700000" algn="tl">
-                    <a:srgbClr val="000000">
-                      <a:alpha val="43137"/>
-                    </a:srgbClr>
-                  </a:outerShdw>
-                </a:effectLst>
-                <a:latin typeface="Consolas" pitchFamily="49" charset="0"/>
-                <a:cs typeface="Consolas" pitchFamily="49" charset="0"/>
-              </a:rPr>
-              <a:t> s == 'lemon' </a:t>
-            </a:r>
-            <a:r>
-              <a:rPr lang="en-US" sz="2800" b="1" noProof="1">
-                <a:solidFill>
-                  <a:schemeClr val="tx2">
-                    <a:lumMod val="75000"/>
-                  </a:schemeClr>
-                </a:solidFill>
-                <a:effectLst>
-                  <a:outerShdw blurRad="38100" dist="38100" dir="2700000" algn="tl">
-                    <a:srgbClr val="000000">
-                      <a:alpha val="43137"/>
-                    </a:srgbClr>
-                  </a:outerShdw>
-                </a:effectLst>
-                <a:latin typeface="Consolas" pitchFamily="49" charset="0"/>
-                <a:cs typeface="Consolas" pitchFamily="49" charset="0"/>
-              </a:rPr>
-              <a:t>or</a:t>
-            </a:r>
-            <a:r>
-              <a:rPr lang="en-US" sz="2800" b="1" noProof="1">
-                <a:solidFill>
-                  <a:srgbClr val="FBEEDC"/>
-                </a:solidFill>
-                <a:effectLst>
-                  <a:outerShdw blurRad="38100" dist="38100" dir="2700000" algn="tl">
-                    <a:srgbClr val="000000">
-                      <a:alpha val="43137"/>
-                    </a:srgbClr>
-                  </a:outerShdw>
-                </a:effectLst>
-                <a:latin typeface="Consolas" pitchFamily="49" charset="0"/>
-                <a:cs typeface="Consolas" pitchFamily="49" charset="0"/>
-              </a:rPr>
-              <a:t> s == 'grapes'):</a:t>
+              <a:t>    s == "cherry" || s == "lemon" || s == "grapes")</a:t>
             </a:r>
           </a:p>
           <a:p>
@@ -7250,7 +7054,7 @@
                 <a:latin typeface="Consolas" pitchFamily="49" charset="0"/>
                 <a:cs typeface="Consolas" pitchFamily="49" charset="0"/>
               </a:rPr>
-              <a:t>  print('fruit')</a:t>
+              <a:t>  cout &lt;&lt; "fruit\n";</a:t>
             </a:r>
           </a:p>
           <a:p>
@@ -7281,152 +7085,7 @@
                 <a:latin typeface="Consolas" pitchFamily="49" charset="0"/>
                 <a:cs typeface="Consolas" pitchFamily="49" charset="0"/>
               </a:rPr>
-              <a:t>elif (s == 'tomato' </a:t>
-            </a:r>
-            <a:r>
-              <a:rPr lang="en-US" sz="2800" b="1" noProof="1">
-                <a:solidFill>
-                  <a:schemeClr val="tx2">
-                    <a:lumMod val="75000"/>
-                  </a:schemeClr>
-                </a:solidFill>
-                <a:effectLst>
-                  <a:outerShdw blurRad="38100" dist="38100" dir="2700000" algn="tl">
-                    <a:srgbClr val="000000">
-                      <a:alpha val="43137"/>
-                    </a:srgbClr>
-                  </a:outerShdw>
-                </a:effectLst>
-                <a:latin typeface="Consolas" pitchFamily="49" charset="0"/>
-                <a:cs typeface="Consolas" pitchFamily="49" charset="0"/>
-              </a:rPr>
-              <a:t>or</a:t>
-            </a:r>
-            <a:r>
-              <a:rPr lang="en-US" sz="2800" b="1" noProof="1">
-                <a:solidFill>
-                  <a:srgbClr val="FBEEDC"/>
-                </a:solidFill>
-                <a:effectLst>
-                  <a:outerShdw blurRad="38100" dist="38100" dir="2700000" algn="tl">
-                    <a:srgbClr val="000000">
-                      <a:alpha val="43137"/>
-                    </a:srgbClr>
-                  </a:outerShdw>
-                </a:effectLst>
-                <a:latin typeface="Consolas" pitchFamily="49" charset="0"/>
-                <a:cs typeface="Consolas" pitchFamily="49" charset="0"/>
-              </a:rPr>
-              <a:t> s == 'cucumber' </a:t>
-            </a:r>
-            <a:r>
-              <a:rPr lang="en-US" sz="2800" b="1" noProof="1">
-                <a:solidFill>
-                  <a:schemeClr val="tx2">
-                    <a:lumMod val="75000"/>
-                  </a:schemeClr>
-                </a:solidFill>
-                <a:effectLst>
-                  <a:outerShdw blurRad="38100" dist="38100" dir="2700000" algn="tl">
-                    <a:srgbClr val="000000">
-                      <a:alpha val="43137"/>
-                    </a:srgbClr>
-                  </a:outerShdw>
-                </a:effectLst>
-                <a:latin typeface="Consolas" pitchFamily="49" charset="0"/>
-                <a:cs typeface="Consolas" pitchFamily="49" charset="0"/>
-              </a:rPr>
-              <a:t>or</a:t>
-            </a:r>
-            <a:br>
-              <a:rPr lang="en-US" sz="2800" b="1" noProof="1">
-                <a:solidFill>
-                  <a:schemeClr val="tx2">
-                    <a:lumMod val="75000"/>
-                  </a:schemeClr>
-                </a:solidFill>
-                <a:effectLst>
-                  <a:outerShdw blurRad="38100" dist="38100" dir="2700000" algn="tl">
-                    <a:srgbClr val="000000">
-                      <a:alpha val="43137"/>
-                    </a:srgbClr>
-                  </a:outerShdw>
-                </a:effectLst>
-                <a:latin typeface="Consolas" pitchFamily="49" charset="0"/>
-                <a:cs typeface="Consolas" pitchFamily="49" charset="0"/>
-              </a:rPr>
-            </a:br>
-            <a:r>
-              <a:rPr lang="en-US" sz="2800" b="1" noProof="1">
-                <a:solidFill>
-                  <a:schemeClr val="tx2">
-                    <a:lumMod val="75000"/>
-                  </a:schemeClr>
-                </a:solidFill>
-                <a:effectLst>
-                  <a:outerShdw blurRad="38100" dist="38100" dir="2700000" algn="tl">
-                    <a:srgbClr val="000000">
-                      <a:alpha val="43137"/>
-                    </a:srgbClr>
-                  </a:outerShdw>
-                </a:effectLst>
-                <a:latin typeface="Consolas" pitchFamily="49" charset="0"/>
-                <a:cs typeface="Consolas" pitchFamily="49" charset="0"/>
-              </a:rPr>
-              <a:t>    </a:t>
-            </a:r>
-            <a:r>
-              <a:rPr lang="en-US" sz="2800" b="1" noProof="1">
-                <a:solidFill>
-                  <a:srgbClr val="FBEEDC"/>
-                </a:solidFill>
-                <a:effectLst>
-                  <a:outerShdw blurRad="38100" dist="38100" dir="2700000" algn="tl">
-                    <a:srgbClr val="000000">
-                      <a:alpha val="43137"/>
-                    </a:srgbClr>
-                  </a:outerShdw>
-                </a:effectLst>
-                <a:latin typeface="Consolas" pitchFamily="49" charset="0"/>
-                <a:cs typeface="Consolas" pitchFamily="49" charset="0"/>
-              </a:rPr>
-              <a:t>s == 'pepper' </a:t>
-            </a:r>
-            <a:r>
-              <a:rPr lang="en-US" sz="2800" b="1" noProof="1">
-                <a:solidFill>
-                  <a:schemeClr val="tx2">
-                    <a:lumMod val="75000"/>
-                  </a:schemeClr>
-                </a:solidFill>
-                <a:effectLst>
-                  <a:outerShdw blurRad="38100" dist="38100" dir="2700000" algn="tl">
-                    <a:srgbClr val="000000">
-                      <a:alpha val="43137"/>
-                    </a:srgbClr>
-                  </a:outerShdw>
-                </a:effectLst>
-                <a:latin typeface="Consolas" pitchFamily="49" charset="0"/>
-                <a:cs typeface="Consolas" pitchFamily="49" charset="0"/>
-              </a:rPr>
-              <a:t>or</a:t>
-            </a:r>
-            <a:r>
-              <a:rPr lang="en-US" sz="2800" b="1" noProof="1">
-                <a:solidFill>
-                  <a:srgbClr val="FBEEDC"/>
-                </a:solidFill>
-                <a:effectLst>
-                  <a:outerShdw blurRad="38100" dist="38100" dir="2700000" algn="tl">
-                    <a:srgbClr val="000000">
-                      <a:alpha val="43137"/>
-                    </a:srgbClr>
-                  </a:outerShdw>
-                </a:effectLst>
-                <a:latin typeface="Consolas" pitchFamily="49" charset="0"/>
-                <a:cs typeface="Consolas" pitchFamily="49" charset="0"/>
-              </a:rPr>
-              <a:t> s == 'carrot'):</a:t>
+              <a:t>else if (s == "tomato" || s == "cucumber" || s == "pepper" || s == "carrot")</a:t>
             </a:r>
           </a:p>
           <a:p>
@@ -7457,7 +7116,7 @@
                 <a:latin typeface="Consolas" pitchFamily="49" charset="0"/>
                 <a:cs typeface="Consolas" pitchFamily="49" charset="0"/>
               </a:rPr>
-              <a:t>  print('vegetable')</a:t>
+              <a:t>  cout &lt;&lt; "vegetable\n";</a:t>
             </a:r>
           </a:p>
           <a:p>
@@ -7488,7 +7147,7 @@
                 <a:latin typeface="Consolas" pitchFamily="49" charset="0"/>
                 <a:cs typeface="Consolas" pitchFamily="49" charset="0"/>
               </a:rPr>
-              <a:t>else:</a:t>
+              <a:t>else</a:t>
             </a:r>
           </a:p>
           <a:p>
@@ -7519,7 +7178,7 @@
                 <a:latin typeface="Consolas" pitchFamily="49" charset="0"/>
                 <a:cs typeface="Consolas" pitchFamily="49" charset="0"/>
               </a:rPr>
-              <a:t>  print('unknown')</a:t>
+              <a:t>  cout &lt;&lt; "unknown\n";</a:t>
             </a:r>
           </a:p>
         </p:txBody>
@@ -8707,7 +8366,7 @@
         <p:spPr bwMode="auto">
           <a:xfrm>
             <a:off x="752402" y="4419600"/>
-            <a:ext cx="10654402" cy="1717393"/>
+            <a:ext cx="10654402" cy="1311128"/>
           </a:xfrm>
           <a:prstGeom prst="rect">
             <a:avLst/>
@@ -8795,7 +8454,7 @@
                 <a:latin typeface="Consolas" pitchFamily="49" charset="0"/>
                 <a:cs typeface="Consolas" pitchFamily="49" charset="0"/>
               </a:rPr>
-              <a:t>num &gt;= 100 and num &lt;= 200</a:t>
+              <a:t>num &gt;= 100 &amp;&amp; num &lt;= 200</a:t>
             </a:r>
             <a:r>
               <a:rPr lang="bg-BG" b="1" noProof="1">
@@ -8829,7 +8488,7 @@
                 <a:latin typeface="Consolas" pitchFamily="49" charset="0"/>
                 <a:cs typeface="Consolas" pitchFamily="49" charset="0"/>
               </a:rPr>
-              <a:t> or </a:t>
+              <a:t> || num == 0;</a:t>
             </a:r>
           </a:p>
           <a:p>
@@ -8860,26 +8519,14 @@
                 <a:latin typeface="Consolas" pitchFamily="49" charset="0"/>
                 <a:cs typeface="Consolas" pitchFamily="49" charset="0"/>
               </a:rPr>
-              <a:t>                                             num == 0</a:t>
-            </a:r>
-          </a:p>
-          <a:p>
-            <a:pPr eaLnBrk="0" hangingPunct="0">
-              <a:lnSpc>
-                <a:spcPct val="110000"/>
-              </a:lnSpc>
-              <a:buClr>
-                <a:schemeClr val="accent5">
-                  <a:lumMod val="40000"/>
-                  <a:lumOff val="60000"/>
-                </a:schemeClr>
-              </a:buClr>
-              <a:buSzPct val="70000"/>
-            </a:pPr>
+              <a:t>if (</a:t>
+            </a:r>
             <a:r>
               <a:rPr lang="en-US" b="1" noProof="1">
                 <a:solidFill>
-                  <a:srgbClr val="FBEEDC"/>
+                  <a:schemeClr val="tx2">
+                    <a:lumMod val="75000"/>
+                  </a:schemeClr>
                 </a:solidFill>
                 <a:effectLst>
                   <a:outerShdw blurRad="38100" dist="38100" dir="2700000" algn="tl">
@@ -8891,26 +8538,7 @@
                 <a:latin typeface="Consolas" pitchFamily="49" charset="0"/>
                 <a:cs typeface="Consolas" pitchFamily="49" charset="0"/>
               </a:rPr>
-              <a:t>if (</a:t>
-            </a:r>
-            <a:r>
-              <a:rPr lang="en-US" b="1" noProof="1">
-                <a:solidFill>
-                  <a:schemeClr val="tx2">
-                    <a:lumMod val="75000"/>
-                  </a:schemeClr>
-                </a:solidFill>
-                <a:effectLst>
-                  <a:outerShdw blurRad="38100" dist="38100" dir="2700000" algn="tl">
-                    <a:srgbClr val="000000">
-                      <a:alpha val="43137"/>
-                    </a:srgbClr>
-                  </a:outerShdw>
-                </a:effectLst>
-                <a:latin typeface="Consolas" pitchFamily="49" charset="0"/>
-                <a:cs typeface="Consolas" pitchFamily="49" charset="0"/>
-              </a:rPr>
-              <a:t>not </a:t>
+              <a:t>!</a:t>
             </a:r>
             <a:r>
               <a:rPr lang="en-US" b="1" noProof="1">
@@ -10272,7 +9900,7 @@
                 <a:latin typeface="Consolas" pitchFamily="49" charset="0"/>
                 <a:cs typeface="Consolas" pitchFamily="49" charset="0"/>
               </a:rPr>
-              <a:t>(x == x1 or x == x2) and </a:t>
+              <a:t>(x == x1 || x == x2) &amp;&amp; </a:t>
             </a:r>
           </a:p>
           <a:p>
@@ -10303,7 +9931,7 @@
                 <a:latin typeface="Consolas" pitchFamily="49" charset="0"/>
                 <a:cs typeface="Consolas" pitchFamily="49" charset="0"/>
               </a:rPr>
-              <a:t>     (y &gt;= y1) and (y &lt;= y2)</a:t>
+              <a:t>     (y &gt;= y1) &amp;&amp; (y &lt;= y2)</a:t>
             </a:r>
             <a:r>
               <a:rPr lang="en-US" sz="2800" b="1" noProof="1">
@@ -10339,7 +9967,7 @@
                 <a:latin typeface="Consolas" pitchFamily="49" charset="0"/>
                 <a:cs typeface="Consolas" pitchFamily="49" charset="0"/>
               </a:rPr>
-              <a:t> or</a:t>
+              <a:t> ||</a:t>
             </a:r>
           </a:p>
           <a:p>
@@ -10406,7 +10034,7 @@
                 <a:latin typeface="Consolas" pitchFamily="49" charset="0"/>
                 <a:cs typeface="Consolas" pitchFamily="49" charset="0"/>
               </a:rPr>
-              <a:t>(y == y1 or y == y2) and </a:t>
+              <a:t>(y == y1 || y == y2) &amp;&amp; </a:t>
             </a:r>
           </a:p>
           <a:p>
@@ -10437,7 +10065,7 @@
                 <a:latin typeface="Consolas" pitchFamily="49" charset="0"/>
                 <a:cs typeface="Consolas" pitchFamily="49" charset="0"/>
               </a:rPr>
-              <a:t>     (x &gt;= x1) and (x &lt;= x2)</a:t>
+              <a:t>     (x &gt;= x1) &amp;&amp; (x &lt;= x2)</a:t>
             </a:r>
             <a:r>
               <a:rPr lang="en-US" sz="2800" b="1" noProof="1">
@@ -10725,7 +10353,7 @@
                 <a:latin typeface="Consolas" pitchFamily="49" charset="0"/>
                 <a:cs typeface="Consolas" pitchFamily="49" charset="0"/>
               </a:rPr>
-              <a:t>bool onLeftSide = (x == x1) and (y &gt;= y1) and (y &lt;= y2),</a:t>
+              <a:t>bool onLeftSide = (x == x1) &amp;&amp; (y &gt;= y1) &amp;&amp; (y &lt;= y2),</a:t>
             </a:r>
           </a:p>
           <a:p>
@@ -10756,7 +10384,7 @@
                 <a:latin typeface="Consolas" pitchFamily="49" charset="0"/>
                 <a:cs typeface="Consolas" pitchFamily="49" charset="0"/>
               </a:rPr>
-              <a:t>onRightSide = (x == x2) and (y &gt;= y1) and (y &lt;= y2),</a:t>
+              <a:t>onRightSide = (x == x2) &amp;&amp; (y &gt;= y1) &amp;&amp; (y &lt;= y2),</a:t>
             </a:r>
           </a:p>
           <a:p>
@@ -10787,7 +10415,7 @@
                 <a:latin typeface="Consolas" pitchFamily="49" charset="0"/>
                 <a:cs typeface="Consolas" pitchFamily="49" charset="0"/>
               </a:rPr>
-              <a:t>onUpSide = (y == y1) and (x &gt;= x1) and (x &lt;= x2),</a:t>
+              <a:t>onUpSide = (y == y1) &amp;&amp; (x &gt;= x1) &amp;&amp; (x &lt;= x2),</a:t>
             </a:r>
           </a:p>
           <a:p>
@@ -10818,7 +10446,7 @@
                 <a:latin typeface="Consolas" pitchFamily="49" charset="0"/>
                 <a:cs typeface="Consolas" pitchFamily="49" charset="0"/>
               </a:rPr>
-              <a:t>onDownSide = (y == y2) and (x &gt;= x1) and (x &lt;= x2);</a:t>
+              <a:t>onDownSide = (y == y2) &amp;&amp; (x &gt;= x1) &amp;&amp; (x &lt;= x2);</a:t>
             </a:r>
           </a:p>
           <a:p>
@@ -10871,7 +10499,7 @@
                 <a:latin typeface="Consolas" pitchFamily="49" charset="0"/>
                 <a:cs typeface="Consolas" pitchFamily="49" charset="0"/>
               </a:rPr>
-              <a:t>or</a:t>
+              <a:t>||</a:t>
             </a:r>
             <a:r>
               <a:rPr lang="en-US" sz="2600" b="1" noProof="1">
@@ -10907,7 +10535,7 @@
                 <a:latin typeface="Consolas" pitchFamily="49" charset="0"/>
                 <a:cs typeface="Consolas" pitchFamily="49" charset="0"/>
               </a:rPr>
-              <a:t>or</a:t>
+              <a:t>||</a:t>
             </a:r>
             <a:r>
               <a:rPr lang="en-US" sz="2600" b="1" noProof="1">
@@ -10993,7 +10621,7 @@
                 <a:latin typeface="Consolas" pitchFamily="49" charset="0"/>
                 <a:cs typeface="Consolas" pitchFamily="49" charset="0"/>
               </a:rPr>
-              <a:t>or</a:t>
+              <a:t>||</a:t>
             </a:r>
             <a:r>
               <a:rPr lang="en-US" sz="2600" b="1" noProof="1">
@@ -13940,7 +13568,7 @@
 </file>
 
 <file path=ppt/slides/slide22.xml><?xml version="1.0" encoding="utf-8"?>
-<p:sld xmlns:a="http://schemas.openxmlformats.org/drawingml/2006/main" xmlns:r="http://schemas.openxmlformats.org/officeDocument/2006/relationships" xmlns:p="http://schemas.openxmlformats.org/presentationml/2006/main" show="0">
+<p:sld xmlns:a="http://schemas.openxmlformats.org/drawingml/2006/main" xmlns:r="http://schemas.openxmlformats.org/officeDocument/2006/relationships" xmlns:p="http://schemas.openxmlformats.org/presentationml/2006/main">
   <p:cSld>
     <p:spTree>
       <p:nvGrpSpPr>
@@ -14020,7 +13648,7 @@
         <p:spPr bwMode="auto">
           <a:xfrm>
             <a:off x="760412" y="1163993"/>
-            <a:ext cx="10668000" cy="4493538"/>
+            <a:ext cx="10668000" cy="4893647"/>
           </a:xfrm>
           <a:prstGeom prst="rect">
             <a:avLst/>
@@ -14057,7 +13685,7 @@
               <a:buSzPct val="70000"/>
             </a:pPr>
             <a:r>
-              <a:rPr lang="en-US" sz="2600" b="1" noProof="1">
+              <a:rPr lang="en-US" sz="2000" b="1" noProof="1">
                 <a:solidFill>
                   <a:srgbClr val="FBEEDC"/>
                 </a:solidFill>
@@ -14071,7 +13699,7 @@
                 <a:latin typeface="Consolas" pitchFamily="49" charset="0"/>
                 <a:cs typeface="Consolas" pitchFamily="49" charset="0"/>
               </a:rPr>
-              <a:t>if day == 'saturday' or day == 'sunday':</a:t>
+              <a:t>if (day == "saturday" || day == "sunday")</a:t>
             </a:r>
           </a:p>
           <a:p>
@@ -14085,7 +13713,7 @@
               <a:buSzPct val="70000"/>
             </a:pPr>
             <a:r>
-              <a:rPr lang="en-US" sz="2600" b="1" noProof="1">
+              <a:rPr lang="en-US" sz="2000" b="1" noProof="1">
                 <a:solidFill>
                   <a:srgbClr val="FBEEDC"/>
                 </a:solidFill>
@@ -14099,7 +13727,7 @@
                 <a:latin typeface="Consolas" pitchFamily="49" charset="0"/>
                 <a:cs typeface="Consolas" pitchFamily="49" charset="0"/>
               </a:rPr>
-              <a:t>    if fruit == 'banana':</a:t>
+              <a:t>{</a:t>
             </a:r>
           </a:p>
           <a:p>
@@ -14113,7 +13741,7 @@
               <a:buSzPct val="70000"/>
             </a:pPr>
             <a:r>
-              <a:rPr lang="en-US" sz="2600" b="1" noProof="1">
+              <a:rPr lang="en-US" sz="2000" b="1" noProof="1">
                 <a:solidFill>
                   <a:srgbClr val="FBEEDC"/>
                 </a:solidFill>
@@ -14127,7 +13755,7 @@
                 <a:latin typeface="Consolas" pitchFamily="49" charset="0"/>
                 <a:cs typeface="Consolas" pitchFamily="49" charset="0"/>
               </a:rPr>
-              <a:t>        price = 2.70</a:t>
+              <a:t>    if (fruit == "banana")</a:t>
             </a:r>
           </a:p>
           <a:p>
@@ -14141,7 +13769,7 @@
               <a:buSzPct val="70000"/>
             </a:pPr>
             <a:r>
-              <a:rPr lang="en-US" sz="2600" b="1" noProof="1">
+              <a:rPr lang="en-US" sz="2000" b="1" noProof="1">
                 <a:solidFill>
                   <a:srgbClr val="FBEEDC"/>
                 </a:solidFill>
@@ -14155,7 +13783,7 @@
                 <a:latin typeface="Consolas" pitchFamily="49" charset="0"/>
                 <a:cs typeface="Consolas" pitchFamily="49" charset="0"/>
               </a:rPr>
-              <a:t>    elif fruit == 'apple':</a:t>
+              <a:t>        price = 2.70;</a:t>
             </a:r>
           </a:p>
           <a:p>
@@ -14169,7 +13797,7 @@
               <a:buSzPct val="70000"/>
             </a:pPr>
             <a:r>
-              <a:rPr lang="en-US" sz="2600" b="1" noProof="1">
+              <a:rPr lang="en-US" sz="2000" b="1" noProof="1">
                 <a:solidFill>
                   <a:srgbClr val="FBEEDC"/>
                 </a:solidFill>
@@ -14183,7 +13811,7 @@
                 <a:latin typeface="Consolas" pitchFamily="49" charset="0"/>
                 <a:cs typeface="Consolas" pitchFamily="49" charset="0"/>
               </a:rPr>
-              <a:t>        price = 1.25</a:t>
+              <a:t>    else if (fruit == "apple")</a:t>
             </a:r>
           </a:p>
           <a:p>
@@ -14197,7 +13825,7 @@
               <a:buSzPct val="70000"/>
             </a:pPr>
             <a:r>
-              <a:rPr lang="en-US" sz="2600" b="1" noProof="1">
+              <a:rPr lang="en-US" sz="2000" b="1" noProof="1">
                 <a:solidFill>
                   <a:srgbClr val="FBEEDC"/>
                 </a:solidFill>
@@ -14211,14 +13839,23 @@
                 <a:latin typeface="Consolas" pitchFamily="49" charset="0"/>
                 <a:cs typeface="Consolas" pitchFamily="49" charset="0"/>
               </a:rPr>
-              <a:t>   </a:t>
-            </a:r>
-            <a:r>
-              <a:rPr lang="en-US" sz="2600" b="1" i="1" noProof="1">
-                <a:solidFill>
-                  <a:schemeClr val="tx2">
-                    <a:lumMod val="75000"/>
-                  </a:schemeClr>
+              <a:t>        price = 1.25;</a:t>
+            </a:r>
+          </a:p>
+          <a:p>
+            <a:pPr eaLnBrk="0" hangingPunct="0">
+              <a:buClr>
+                <a:schemeClr val="accent5">
+                  <a:lumMod val="40000"/>
+                  <a:lumOff val="60000"/>
+                </a:schemeClr>
+              </a:buClr>
+              <a:buSzPct val="70000"/>
+            </a:pPr>
+            <a:r>
+              <a:rPr lang="en-US" sz="2000" b="1" noProof="1">
+                <a:solidFill>
+                  <a:srgbClr val="FBEEDC"/>
                 </a:solidFill>
                 <a:effectLst>
                   <a:outerShdw blurRad="38100" dist="38100" dir="2700000" algn="tl">
@@ -14230,11 +13867,237 @@
                 <a:latin typeface="Consolas" pitchFamily="49" charset="0"/>
                 <a:cs typeface="Consolas" pitchFamily="49" charset="0"/>
               </a:rPr>
-              <a:t># TODO: more fruits come here …</a:t>
-            </a:r>
-            <a:endParaRPr lang="en-US" sz="2600" b="1" noProof="1">
+              <a:t>    // TODO: more fruits come here ...</a:t>
+            </a:r>
+          </a:p>
+          <a:p>
+            <a:pPr eaLnBrk="0" hangingPunct="0">
+              <a:buClr>
+                <a:schemeClr val="accent5">
+                  <a:lumMod val="40000"/>
+                  <a:lumOff val="60000"/>
+                </a:schemeClr>
+              </a:buClr>
+              <a:buSzPct val="70000"/>
+            </a:pPr>
+            <a:r>
+              <a:rPr lang="en-US" sz="2000" b="1" noProof="1">
+                <a:solidFill>
+                  <a:srgbClr val="FBEEDC"/>
+                </a:solidFill>
+                <a:effectLst>
+                  <a:outerShdw blurRad="38100" dist="38100" dir="2700000" algn="tl">
+                    <a:srgbClr val="000000">
+                      <a:alpha val="43137"/>
+                    </a:srgbClr>
+                  </a:outerShdw>
+                </a:effectLst>
+                <a:latin typeface="Consolas" pitchFamily="49" charset="0"/>
+                <a:cs typeface="Consolas" pitchFamily="49" charset="0"/>
+              </a:rPr>
+              <a:t>}</a:t>
+            </a:r>
+          </a:p>
+          <a:p>
+            <a:pPr eaLnBrk="0" hangingPunct="0">
+              <a:buClr>
+                <a:schemeClr val="accent5">
+                  <a:lumMod val="40000"/>
+                  <a:lumOff val="60000"/>
+                </a:schemeClr>
+              </a:buClr>
+              <a:buSzPct val="70000"/>
+            </a:pPr>
+            <a:r>
+              <a:rPr lang="en-US" sz="2000" b="1" noProof="1">
+                <a:solidFill>
+                  <a:srgbClr val="FBEEDC"/>
+                </a:solidFill>
+                <a:effectLst>
+                  <a:outerShdw blurRad="38100" dist="38100" dir="2700000" algn="tl">
+                    <a:srgbClr val="000000">
+                      <a:alpha val="43137"/>
+                    </a:srgbClr>
+                  </a:outerShdw>
+                </a:effectLst>
+                <a:latin typeface="Consolas" pitchFamily="49" charset="0"/>
+                <a:cs typeface="Consolas" pitchFamily="49" charset="0"/>
+              </a:rPr>
+              <a:t>else if (day == "monday" || day == "tuesday" || day ==</a:t>
+            </a:r>
+          </a:p>
+          <a:p>
+            <a:pPr eaLnBrk="0" hangingPunct="0">
+              <a:buClr>
+                <a:schemeClr val="accent5">
+                  <a:lumMod val="40000"/>
+                  <a:lumOff val="60000"/>
+                </a:schemeClr>
+              </a:buClr>
+              <a:buSzPct val="70000"/>
+            </a:pPr>
+            <a:r>
+              <a:rPr lang="en-US" sz="2000" b="1" noProof="1">
+                <a:solidFill>
+                  <a:srgbClr val="FBEEDC"/>
+                </a:solidFill>
+                <a:effectLst>
+                  <a:outerShdw blurRad="38100" dist="38100" dir="2700000" algn="tl">
+                    <a:srgbClr val="000000">
+                      <a:alpha val="43137"/>
+                    </a:srgbClr>
+                  </a:outerShdw>
+                </a:effectLst>
+                <a:latin typeface="Consolas" pitchFamily="49" charset="0"/>
+                <a:cs typeface="Consolas" pitchFamily="49" charset="0"/>
+              </a:rPr>
+              <a:t>   "wednesday" || day == "thursday" || day == "friday")</a:t>
+            </a:r>
+          </a:p>
+          <a:p>
+            <a:pPr eaLnBrk="0" hangingPunct="0">
+              <a:buClr>
+                <a:schemeClr val="accent5">
+                  <a:lumMod val="40000"/>
+                  <a:lumOff val="60000"/>
+                </a:schemeClr>
+              </a:buClr>
+              <a:buSzPct val="70000"/>
+            </a:pPr>
+            <a:r>
+              <a:rPr lang="en-US" sz="2000" b="1" noProof="1">
+                <a:solidFill>
+                  <a:srgbClr val="FBEEDC"/>
+                </a:solidFill>
+                <a:effectLst>
+                  <a:outerShdw blurRad="38100" dist="38100" dir="2700000" algn="tl">
+                    <a:srgbClr val="000000">
+                      <a:alpha val="43137"/>
+                    </a:srgbClr>
+                  </a:outerShdw>
+                </a:effectLst>
+                <a:latin typeface="Consolas" pitchFamily="49" charset="0"/>
+                <a:cs typeface="Consolas" pitchFamily="49" charset="0"/>
+              </a:rPr>
+              <a:t>{</a:t>
+            </a:r>
+          </a:p>
+          <a:p>
+            <a:pPr eaLnBrk="0" hangingPunct="0">
+              <a:buClr>
+                <a:schemeClr val="accent5">
+                  <a:lumMod val="40000"/>
+                  <a:lumOff val="60000"/>
+                </a:schemeClr>
+              </a:buClr>
+              <a:buSzPct val="70000"/>
+            </a:pPr>
+            <a:r>
+              <a:rPr lang="en-US" sz="2000" b="1" noProof="1">
+                <a:solidFill>
+                  <a:srgbClr val="FBEEDC"/>
+                </a:solidFill>
+                <a:effectLst>
+                  <a:outerShdw blurRad="38100" dist="38100" dir="2700000" algn="tl">
+                    <a:srgbClr val="000000">
+                      <a:alpha val="43137"/>
+                    </a:srgbClr>
+                  </a:outerShdw>
+                </a:effectLst>
+                <a:latin typeface="Consolas" pitchFamily="49" charset="0"/>
+                <a:cs typeface="Consolas" pitchFamily="49" charset="0"/>
+              </a:rPr>
+              <a:t>    if (fruit == "banana")</a:t>
+            </a:r>
+          </a:p>
+          <a:p>
+            <a:pPr eaLnBrk="0" hangingPunct="0">
+              <a:buClr>
+                <a:schemeClr val="accent5">
+                  <a:lumMod val="40000"/>
+                  <a:lumOff val="60000"/>
+                </a:schemeClr>
+              </a:buClr>
+              <a:buSzPct val="70000"/>
+            </a:pPr>
+            <a:r>
+              <a:rPr lang="en-US" sz="2000" b="1" noProof="1">
+                <a:solidFill>
+                  <a:srgbClr val="FBEEDC"/>
+                </a:solidFill>
+                <a:effectLst>
+                  <a:outerShdw blurRad="38100" dist="38100" dir="2700000" algn="tl">
+                    <a:srgbClr val="000000">
+                      <a:alpha val="43137"/>
+                    </a:srgbClr>
+                  </a:outerShdw>
+                </a:effectLst>
+                <a:latin typeface="Consolas" pitchFamily="49" charset="0"/>
+                <a:cs typeface="Consolas" pitchFamily="49" charset="0"/>
+              </a:rPr>
+              <a:t>        price = 2.50;</a:t>
+            </a:r>
+          </a:p>
+          <a:p>
+            <a:pPr eaLnBrk="0" hangingPunct="0">
+              <a:buClr>
+                <a:schemeClr val="accent5">
+                  <a:lumMod val="40000"/>
+                  <a:lumOff val="60000"/>
+                </a:schemeClr>
+              </a:buClr>
+              <a:buSzPct val="70000"/>
+            </a:pPr>
+            <a:r>
+              <a:rPr lang="en-US" sz="2000" b="1" noProof="1">
+                <a:solidFill>
+                  <a:srgbClr val="FBEEDC"/>
+                </a:solidFill>
+                <a:effectLst>
+                  <a:outerShdw blurRad="38100" dist="38100" dir="2700000" algn="tl">
+                    <a:srgbClr val="000000">
+                      <a:alpha val="43137"/>
+                    </a:srgbClr>
+                  </a:outerShdw>
+                </a:effectLst>
+                <a:latin typeface="Consolas" pitchFamily="49" charset="0"/>
+                <a:cs typeface="Consolas" pitchFamily="49" charset="0"/>
+              </a:rPr>
+              <a:t>    // TODO: more fruits come here ...</a:t>
+            </a:r>
+          </a:p>
+          <a:p>
+            <a:pPr eaLnBrk="0" hangingPunct="0">
+              <a:buClr>
+                <a:schemeClr val="accent5">
+                  <a:lumMod val="40000"/>
+                  <a:lumOff val="60000"/>
+                </a:schemeClr>
+              </a:buClr>
+              <a:buSzPct val="70000"/>
+            </a:pPr>
+            <a:r>
+              <a:rPr lang="en-US" sz="2000" b="1" noProof="1">
+                <a:solidFill>
+                  <a:srgbClr val="FBEEDC"/>
+                </a:solidFill>
+                <a:effectLst>
+                  <a:outerShdw blurRad="38100" dist="38100" dir="2700000" algn="tl">
+                    <a:srgbClr val="000000">
+                      <a:alpha val="43137"/>
+                    </a:srgbClr>
+                  </a:outerShdw>
+                </a:effectLst>
+                <a:latin typeface="Consolas" pitchFamily="49" charset="0"/>
+                <a:cs typeface="Consolas" pitchFamily="49" charset="0"/>
+              </a:rPr>
+              <a:t>}</a:t>
+            </a:r>
+            <a:endParaRPr lang="en-US" sz="2000" b="1" i="1" noProof="1">
               <a:solidFill>
-                <a:srgbClr val="FBEEDC"/>
+                <a:schemeClr val="tx2">
+                  <a:lumMod val="75000"/>
+                </a:schemeClr>
               </a:solidFill>
               <a:effectLst>
                 <a:outerShdw blurRad="38100" dist="38100" dir="2700000" algn="tl">
@@ -14246,148 +14109,6 @@
               <a:latin typeface="Consolas" pitchFamily="49" charset="0"/>
               <a:cs typeface="Consolas" pitchFamily="49" charset="0"/>
             </a:endParaRPr>
-          </a:p>
-          <a:p>
-            <a:pPr eaLnBrk="0" hangingPunct="0">
-              <a:buClr>
-                <a:schemeClr val="accent5">
-                  <a:lumMod val="40000"/>
-                  <a:lumOff val="60000"/>
-                </a:schemeClr>
-              </a:buClr>
-              <a:buSzPct val="70000"/>
-            </a:pPr>
-            <a:r>
-              <a:rPr lang="en-US" sz="2600" b="1" noProof="1">
-                <a:solidFill>
-                  <a:srgbClr val="FBEEDC"/>
-                </a:solidFill>
-                <a:effectLst>
-                  <a:outerShdw blurRad="38100" dist="38100" dir="2700000" algn="tl">
-                    <a:srgbClr val="000000">
-                      <a:alpha val="43137"/>
-                    </a:srgbClr>
-                  </a:outerShdw>
-                </a:effectLst>
-                <a:latin typeface="Consolas" pitchFamily="49" charset="0"/>
-                <a:cs typeface="Consolas" pitchFamily="49" charset="0"/>
-              </a:rPr>
-              <a:t>elif (day == 'monday' or day == 'tuesday' or day ==</a:t>
-            </a:r>
-          </a:p>
-          <a:p>
-            <a:pPr eaLnBrk="0" hangingPunct="0">
-              <a:buClr>
-                <a:schemeClr val="accent5">
-                  <a:lumMod val="40000"/>
-                  <a:lumOff val="60000"/>
-                </a:schemeClr>
-              </a:buClr>
-              <a:buSzPct val="70000"/>
-            </a:pPr>
-            <a:r>
-              <a:rPr lang="en-US" sz="2600" b="1" noProof="1">
-                <a:solidFill>
-                  <a:srgbClr val="FBEEDC"/>
-                </a:solidFill>
-                <a:effectLst>
-                  <a:outerShdw blurRad="38100" dist="38100" dir="2700000" algn="tl">
-                    <a:srgbClr val="000000">
-                      <a:alpha val="43137"/>
-                    </a:srgbClr>
-                  </a:outerShdw>
-                </a:effectLst>
-                <a:latin typeface="Consolas" pitchFamily="49" charset="0"/>
-                <a:cs typeface="Consolas" pitchFamily="49" charset="0"/>
-              </a:rPr>
-              <a:t>   'wednesday' or day == 'thursday' or day == 'friday'):</a:t>
-            </a:r>
-          </a:p>
-          <a:p>
-            <a:pPr eaLnBrk="0" hangingPunct="0">
-              <a:buClr>
-                <a:schemeClr val="accent5">
-                  <a:lumMod val="40000"/>
-                  <a:lumOff val="60000"/>
-                </a:schemeClr>
-              </a:buClr>
-              <a:buSzPct val="70000"/>
-            </a:pPr>
-            <a:r>
-              <a:rPr lang="en-US" sz="2600" b="1" noProof="1">
-                <a:solidFill>
-                  <a:srgbClr val="FBEEDC"/>
-                </a:solidFill>
-                <a:effectLst>
-                  <a:outerShdw blurRad="38100" dist="38100" dir="2700000" algn="tl">
-                    <a:srgbClr val="000000">
-                      <a:alpha val="43137"/>
-                    </a:srgbClr>
-                  </a:outerShdw>
-                </a:effectLst>
-                <a:latin typeface="Consolas" pitchFamily="49" charset="0"/>
-                <a:cs typeface="Consolas" pitchFamily="49" charset="0"/>
-              </a:rPr>
-              <a:t>   if fruit == 'banana':</a:t>
-            </a:r>
-          </a:p>
-          <a:p>
-            <a:pPr eaLnBrk="0" hangingPunct="0">
-              <a:buClr>
-                <a:schemeClr val="accent5">
-                  <a:lumMod val="40000"/>
-                  <a:lumOff val="60000"/>
-                </a:schemeClr>
-              </a:buClr>
-              <a:buSzPct val="70000"/>
-            </a:pPr>
-            <a:r>
-              <a:rPr lang="en-US" sz="2600" b="1" noProof="1">
-                <a:solidFill>
-                  <a:srgbClr val="FBEEDC"/>
-                </a:solidFill>
-                <a:effectLst>
-                  <a:outerShdw blurRad="38100" dist="38100" dir="2700000" algn="tl">
-                    <a:srgbClr val="000000">
-                      <a:alpha val="43137"/>
-                    </a:srgbClr>
-                  </a:outerShdw>
-                </a:effectLst>
-                <a:latin typeface="Consolas" pitchFamily="49" charset="0"/>
-                <a:cs typeface="Consolas" pitchFamily="49" charset="0"/>
-              </a:rPr>
-              <a:t>      price = 2.50</a:t>
-            </a:r>
-          </a:p>
-          <a:p>
-            <a:pPr eaLnBrk="0" hangingPunct="0">
-              <a:buClr>
-                <a:schemeClr val="accent5">
-                  <a:lumMod val="40000"/>
-                  <a:lumOff val="60000"/>
-                </a:schemeClr>
-              </a:buClr>
-              <a:buSzPct val="70000"/>
-            </a:pPr>
-            <a:r>
-              <a:rPr lang="en-US" sz="2600" b="1" i="1" noProof="1">
-                <a:solidFill>
-                  <a:schemeClr val="tx2">
-                    <a:lumMod val="75000"/>
-                  </a:schemeClr>
-                </a:solidFill>
-                <a:effectLst>
-                  <a:outerShdw blurRad="38100" dist="38100" dir="2700000" algn="tl">
-                    <a:srgbClr val="000000">
-                      <a:alpha val="43137"/>
-                    </a:srgbClr>
-                  </a:outerShdw>
-                </a:effectLst>
-                <a:latin typeface="Consolas" pitchFamily="49" charset="0"/>
-                <a:cs typeface="Consolas" pitchFamily="49" charset="0"/>
-              </a:rPr>
-              <a:t>   # TODO: more fruits come here …</a:t>
-            </a:r>
           </a:p>
         </p:txBody>
       </p:sp>
@@ -15989,7 +15710,7 @@
 </file>
 
 <file path=ppt/slides/slide24.xml><?xml version="1.0" encoding="utf-8"?>
-<p:sld xmlns:a="http://schemas.openxmlformats.org/drawingml/2006/main" xmlns:r="http://schemas.openxmlformats.org/officeDocument/2006/relationships" xmlns:p="http://schemas.openxmlformats.org/presentationml/2006/main" show="0">
+<p:sld xmlns:a="http://schemas.openxmlformats.org/drawingml/2006/main" xmlns:r="http://schemas.openxmlformats.org/officeDocument/2006/relationships" xmlns:p="http://schemas.openxmlformats.org/presentationml/2006/main">
   <p:cSld>
     <p:spTree>
       <p:nvGrpSpPr>
@@ -16063,7 +15784,7 @@
         <p:spPr bwMode="auto">
           <a:xfrm>
             <a:off x="622412" y="1143000"/>
-            <a:ext cx="10944000" cy="5093702"/>
+            <a:ext cx="10944000" cy="4801314"/>
           </a:xfrm>
           <a:prstGeom prst="rect">
             <a:avLst/>
@@ -16100,7 +15821,7 @@
               <a:buSzPct val="70000"/>
             </a:pPr>
             <a:r>
-              <a:rPr lang="en-US" sz="2100" b="1" noProof="1">
+              <a:rPr lang="en-US" sz="1800" b="1" noProof="1">
                 <a:solidFill>
                   <a:srgbClr val="FBEEDC"/>
                 </a:solidFill>
@@ -16114,7 +15835,7 @@
                 <a:latin typeface="Consolas" pitchFamily="49" charset="0"/>
                 <a:cs typeface="Consolas" pitchFamily="49" charset="0"/>
               </a:rPr>
-              <a:t>commission = -1.0</a:t>
+              <a:t>#include &lt;iomanip&gt;</a:t>
             </a:r>
           </a:p>
           <a:p>
@@ -16128,7 +15849,7 @@
               <a:buSzPct val="70000"/>
             </a:pPr>
             <a:r>
-              <a:rPr lang="en-US" sz="2100" b="1" noProof="1">
+              <a:rPr lang="en-US" sz="1800" b="1" noProof="1">
                 <a:solidFill>
                   <a:srgbClr val="FBEEDC"/>
                 </a:solidFill>
@@ -16142,7 +15863,7 @@
                 <a:latin typeface="Consolas" pitchFamily="49" charset="0"/>
                 <a:cs typeface="Consolas" pitchFamily="49" charset="0"/>
               </a:rPr>
-              <a:t>if town == 'sofia':</a:t>
+              <a:t>……</a:t>
             </a:r>
           </a:p>
           <a:p>
@@ -16156,7 +15877,7 @@
               <a:buSzPct val="70000"/>
             </a:pPr>
             <a:r>
-              <a:rPr lang="en-US" sz="2100" b="1" noProof="1">
+              <a:rPr lang="en-US" sz="1800" b="1" noProof="1">
                 <a:solidFill>
                   <a:srgbClr val="FBEEDC"/>
                 </a:solidFill>
@@ -16170,7 +15891,7 @@
                 <a:latin typeface="Consolas" pitchFamily="49" charset="0"/>
                 <a:cs typeface="Consolas" pitchFamily="49" charset="0"/>
               </a:rPr>
-              <a:t>  if 0 &lt;= sales and sales &lt;= 500:</a:t>
+              <a:t>float commission = -1.0;</a:t>
             </a:r>
           </a:p>
           <a:p>
@@ -16184,7 +15905,7 @@
               <a:buSzPct val="70000"/>
             </a:pPr>
             <a:r>
-              <a:rPr lang="en-US" sz="2100" b="1" noProof="1">
+              <a:rPr lang="en-US" sz="1800" b="1" noProof="1">
                 <a:solidFill>
                   <a:srgbClr val="FBEEDC"/>
                 </a:solidFill>
@@ -16198,7 +15919,7 @@
                 <a:latin typeface="Consolas" pitchFamily="49" charset="0"/>
                 <a:cs typeface="Consolas" pitchFamily="49" charset="0"/>
               </a:rPr>
-              <a:t>     commission = 0.05</a:t>
+              <a:t>if (town == "sofia")</a:t>
             </a:r>
           </a:p>
           <a:p>
@@ -16212,7 +15933,7 @@
               <a:buSzPct val="70000"/>
             </a:pPr>
             <a:r>
-              <a:rPr lang="en-US" sz="2100" b="1" noProof="1">
+              <a:rPr lang="en-US" sz="1800" b="1" noProof="1">
                 <a:solidFill>
                   <a:srgbClr val="FBEEDC"/>
                 </a:solidFill>
@@ -16226,7 +15947,7 @@
                 <a:latin typeface="Consolas" pitchFamily="49" charset="0"/>
                 <a:cs typeface="Consolas" pitchFamily="49" charset="0"/>
               </a:rPr>
-              <a:t>  elif 500 &lt; sales and sales &lt;= 1000:</a:t>
+              <a:t>{</a:t>
             </a:r>
           </a:p>
           <a:p>
@@ -16240,7 +15961,7 @@
               <a:buSzPct val="70000"/>
             </a:pPr>
             <a:r>
-              <a:rPr lang="en-US" sz="2100" b="1" noProof="1">
+              <a:rPr lang="en-US" sz="1800" b="1" noProof="1">
                 <a:solidFill>
                   <a:srgbClr val="FBEEDC"/>
                 </a:solidFill>
@@ -16254,7 +15975,7 @@
                 <a:latin typeface="Consolas" pitchFamily="49" charset="0"/>
                 <a:cs typeface="Consolas" pitchFamily="49" charset="0"/>
               </a:rPr>
-              <a:t>     commission = 0.07</a:t>
+              <a:t>    if (0 &lt;= sales &amp;&amp; sales &lt;= 500)</a:t>
             </a:r>
           </a:p>
           <a:p>
@@ -16268,7 +15989,7 @@
               <a:buSzPct val="70000"/>
             </a:pPr>
             <a:r>
-              <a:rPr lang="en-US" sz="2100" b="1" noProof="1">
+              <a:rPr lang="en-US" sz="1800" b="1" noProof="1">
                 <a:solidFill>
                   <a:srgbClr val="FBEEDC"/>
                 </a:solidFill>
@@ -16282,7 +16003,7 @@
                 <a:latin typeface="Consolas" pitchFamily="49" charset="0"/>
                 <a:cs typeface="Consolas" pitchFamily="49" charset="0"/>
               </a:rPr>
-              <a:t>  # TODO: check the other price ranges …</a:t>
+              <a:t>        commission = 0.05;</a:t>
             </a:r>
           </a:p>
           <a:p>
@@ -16296,7 +16017,7 @@
               <a:buSzPct val="70000"/>
             </a:pPr>
             <a:r>
-              <a:rPr lang="en-US" sz="2100" b="1" noProof="1">
+              <a:rPr lang="en-US" sz="1800" b="1" noProof="1">
                 <a:solidFill>
                   <a:srgbClr val="FBEEDC"/>
                 </a:solidFill>
@@ -16310,7 +16031,7 @@
                 <a:latin typeface="Consolas" pitchFamily="49" charset="0"/>
                 <a:cs typeface="Consolas" pitchFamily="49" charset="0"/>
               </a:rPr>
-              <a:t>elif (town == 'varna'):</a:t>
+              <a:t>    else if (500 &lt; sales &amp;&amp; sales &lt;= 1000)</a:t>
             </a:r>
           </a:p>
           <a:p>
@@ -16324,7 +16045,7 @@
               <a:buSzPct val="70000"/>
             </a:pPr>
             <a:r>
-              <a:rPr lang="en-US" sz="2100" b="1" noProof="1">
+              <a:rPr lang="en-US" sz="1800" b="1" noProof="1">
                 <a:solidFill>
                   <a:srgbClr val="FBEEDC"/>
                 </a:solidFill>
@@ -16338,7 +16059,7 @@
                 <a:latin typeface="Consolas" pitchFamily="49" charset="0"/>
                 <a:cs typeface="Consolas" pitchFamily="49" charset="0"/>
               </a:rPr>
-              <a:t>  # TODO: check the price ranges …</a:t>
+              <a:t>        commission = 0.07;</a:t>
             </a:r>
           </a:p>
           <a:p>
@@ -16352,7 +16073,7 @@
               <a:buSzPct val="70000"/>
             </a:pPr>
             <a:r>
-              <a:rPr lang="en-US" sz="2100" b="1" noProof="1">
+              <a:rPr lang="en-US" sz="1800" b="1" noProof="1">
                 <a:solidFill>
                   <a:srgbClr val="FBEEDC"/>
                 </a:solidFill>
@@ -16366,7 +16087,7 @@
                 <a:latin typeface="Consolas" pitchFamily="49" charset="0"/>
                 <a:cs typeface="Consolas" pitchFamily="49" charset="0"/>
               </a:rPr>
-              <a:t>elif (town == 'plovdiv'):</a:t>
+              <a:t>    // TODO: check the other price ranges … </a:t>
             </a:r>
           </a:p>
           <a:p>
@@ -16380,7 +16101,7 @@
               <a:buSzPct val="70000"/>
             </a:pPr>
             <a:r>
-              <a:rPr lang="en-US" sz="2100" b="1" noProof="1">
+              <a:rPr lang="en-US" sz="1800" b="1" noProof="1">
                 <a:solidFill>
                   <a:srgbClr val="FBEEDC"/>
                 </a:solidFill>
@@ -16394,14 +16115,11 @@
                 <a:latin typeface="Consolas" pitchFamily="49" charset="0"/>
                 <a:cs typeface="Consolas" pitchFamily="49" charset="0"/>
               </a:rPr>
-              <a:t>  # TODO: check the price ranges …</a:t>
+              <a:t>}</a:t>
             </a:r>
           </a:p>
           <a:p>
             <a:pPr eaLnBrk="0" hangingPunct="0">
-              <a:spcBef>
-                <a:spcPts val="1200"/>
-              </a:spcBef>
               <a:buClr>
                 <a:schemeClr val="accent5">
                   <a:lumMod val="40000"/>
@@ -16411,7 +16129,7 @@
               <a:buSzPct val="70000"/>
             </a:pPr>
             <a:r>
-              <a:rPr lang="en-US" sz="2100" b="1" noProof="1">
+              <a:rPr lang="en-US" sz="1800" b="1" noProof="1">
                 <a:solidFill>
                   <a:srgbClr val="FBEEDC"/>
                 </a:solidFill>
@@ -16425,7 +16143,7 @@
                 <a:latin typeface="Consolas" pitchFamily="49" charset="0"/>
                 <a:cs typeface="Consolas" pitchFamily="49" charset="0"/>
               </a:rPr>
-              <a:t>if commission &gt;= 0:</a:t>
+              <a:t>else if (town == "varna") { /* TODO: check the price ranges …*/ }</a:t>
             </a:r>
           </a:p>
           <a:p>
@@ -16439,7 +16157,7 @@
               <a:buSzPct val="70000"/>
             </a:pPr>
             <a:r>
-              <a:rPr lang="en-US" sz="2100" b="1" noProof="1">
+              <a:rPr lang="en-US" sz="1800" b="1" noProof="1">
                 <a:solidFill>
                   <a:srgbClr val="FBEEDC"/>
                 </a:solidFill>
@@ -16453,7 +16171,7 @@
                 <a:latin typeface="Consolas" pitchFamily="49" charset="0"/>
                 <a:cs typeface="Consolas" pitchFamily="49" charset="0"/>
               </a:rPr>
-              <a:t>  print(round(sales * commission, 2))</a:t>
+              <a:t>else if (town == "plovdiv") { /* TODO: check the price ranges …*/ }</a:t>
             </a:r>
           </a:p>
           <a:p>
@@ -16467,7 +16185,7 @@
               <a:buSzPct val="70000"/>
             </a:pPr>
             <a:r>
-              <a:rPr lang="en-US" sz="2100" b="1" noProof="1">
+              <a:rPr lang="en-US" sz="1800" b="1" noProof="1">
                 <a:solidFill>
                   <a:srgbClr val="FBEEDC"/>
                 </a:solidFill>
@@ -16481,7 +16199,7 @@
                 <a:latin typeface="Consolas" pitchFamily="49" charset="0"/>
                 <a:cs typeface="Consolas" pitchFamily="49" charset="0"/>
               </a:rPr>
-              <a:t>else:</a:t>
+              <a:t>if (commission &gt;= 0)</a:t>
             </a:r>
           </a:p>
           <a:p>
@@ -16495,7 +16213,7 @@
               <a:buSzPct val="70000"/>
             </a:pPr>
             <a:r>
-              <a:rPr lang="en-US" sz="2100" b="1" noProof="1">
+              <a:rPr lang="en-US" sz="1800" b="1" noProof="1">
                 <a:solidFill>
                   <a:srgbClr val="FBEEDC"/>
                 </a:solidFill>
@@ -16509,7 +16227,84 @@
                 <a:latin typeface="Consolas" pitchFamily="49" charset="0"/>
                 <a:cs typeface="Consolas" pitchFamily="49" charset="0"/>
               </a:rPr>
-              <a:t>  print('error')</a:t>
+              <a:t>    cout &lt;&lt; </a:t>
+            </a:r>
+            <a:r>
+              <a:rPr lang="en-US" sz="1800" b="1" dirty="0" err="1"/>
+              <a:t>setprecision</a:t>
+            </a:r>
+            <a:r>
+              <a:rPr lang="en-US" sz="1800" b="1" noProof="1">
+                <a:solidFill>
+                  <a:srgbClr val="FBEEDC"/>
+                </a:solidFill>
+                <a:effectLst>
+                  <a:outerShdw blurRad="38100" dist="38100" dir="2700000" algn="tl">
+                    <a:srgbClr val="000000">
+                      <a:alpha val="43137"/>
+                    </a:srgbClr>
+                  </a:outerShdw>
+                </a:effectLst>
+                <a:latin typeface="Consolas" pitchFamily="49" charset="0"/>
+                <a:cs typeface="Consolas" pitchFamily="49" charset="0"/>
+              </a:rPr>
+              <a:t>(2) &lt;&lt; sales * commission &lt;&lt; "\n";</a:t>
+            </a:r>
+          </a:p>
+          <a:p>
+            <a:pPr eaLnBrk="0" hangingPunct="0">
+              <a:buClr>
+                <a:schemeClr val="accent5">
+                  <a:lumMod val="40000"/>
+                  <a:lumOff val="60000"/>
+                </a:schemeClr>
+              </a:buClr>
+              <a:buSzPct val="70000"/>
+            </a:pPr>
+            <a:r>
+              <a:rPr lang="en-US" sz="1800" b="1" noProof="1">
+                <a:solidFill>
+                  <a:srgbClr val="FBEEDC"/>
+                </a:solidFill>
+                <a:effectLst>
+                  <a:outerShdw blurRad="38100" dist="38100" dir="2700000" algn="tl">
+                    <a:srgbClr val="000000">
+                      <a:alpha val="43137"/>
+                    </a:srgbClr>
+                  </a:outerShdw>
+                </a:effectLst>
+                <a:latin typeface="Consolas" pitchFamily="49" charset="0"/>
+                <a:cs typeface="Consolas" pitchFamily="49" charset="0"/>
+              </a:rPr>
+              <a:t>else    </a:t>
+            </a:r>
+          </a:p>
+          <a:p>
+            <a:pPr eaLnBrk="0" hangingPunct="0">
+              <a:buClr>
+                <a:schemeClr val="accent5">
+                  <a:lumMod val="40000"/>
+                  <a:lumOff val="60000"/>
+                </a:schemeClr>
+              </a:buClr>
+              <a:buSzPct val="70000"/>
+            </a:pPr>
+            <a:r>
+              <a:rPr lang="en-US" sz="1800" b="1" noProof="1">
+                <a:solidFill>
+                  <a:srgbClr val="FBEEDC"/>
+                </a:solidFill>
+                <a:effectLst>
+                  <a:outerShdw blurRad="38100" dist="38100" dir="2700000" algn="tl">
+                    <a:srgbClr val="000000">
+                      <a:alpha val="43137"/>
+                    </a:srgbClr>
+                  </a:outerShdw>
+                </a:effectLst>
+                <a:latin typeface="Consolas" pitchFamily="49" charset="0"/>
+                <a:cs typeface="Consolas" pitchFamily="49" charset="0"/>
+              </a:rPr>
+              <a:t>    cout &lt;&lt; "Error\n";</a:t>
             </a:r>
           </a:p>
         </p:txBody>
@@ -16885,7 +16680,7 @@
                 </a:solidFill>
                 <a:latin typeface="Consolas" panose="020B0609020204030204" pitchFamily="49" charset="0"/>
               </a:rPr>
-              <a:t>and</a:t>
+              <a:t>&amp;&amp;</a:t>
             </a:r>
             <a:r>
               <a:rPr lang="en-US" sz="3200" dirty="0"/>
@@ -16900,11 +16695,11 @@
                 </a:solidFill>
                 <a:latin typeface="Consolas" panose="020B0609020204030204" pitchFamily="49" charset="0"/>
               </a:rPr>
-              <a:t>or</a:t>
+              <a:t>||</a:t>
             </a:r>
             <a:r>
               <a:rPr lang="en-US" sz="3200" dirty="0"/>
-              <a:t> , </a:t>
+              <a:t>, </a:t>
             </a:r>
             <a:r>
               <a:rPr lang="en-US" sz="3200" dirty="0">
@@ -17430,7 +17225,7 @@
                 <a:latin typeface="Consolas" pitchFamily="49" charset="0"/>
                 <a:cs typeface="Consolas" pitchFamily="49" charset="0"/>
               </a:rPr>
-              <a:t>or</a:t>
+              <a:t>||</a:t>
             </a:r>
             <a:r>
               <a:rPr lang="en-US" sz="2600" b="1" noProof="1">
@@ -17502,7 +17297,7 @@
                 <a:latin typeface="Consolas" pitchFamily="49" charset="0"/>
                 <a:cs typeface="Consolas" pitchFamily="49" charset="0"/>
               </a:rPr>
-              <a:t>and</a:t>
+              <a:t>&amp;&amp;</a:t>
             </a:r>
             <a:r>
               <a:rPr lang="en-US" sz="2600" b="1" noProof="1">
@@ -17538,7 +17333,7 @@
                 <a:latin typeface="Consolas" pitchFamily="49" charset="0"/>
                 <a:cs typeface="Consolas" pitchFamily="49" charset="0"/>
               </a:rPr>
-              <a:t>and</a:t>
+              <a:t>&amp;&amp;</a:t>
             </a:r>
             <a:r>
               <a:rPr lang="en-US" sz="2600" b="1" noProof="1">
@@ -24057,7 +23852,7 @@
                 <a:latin typeface="Consolas" pitchFamily="49" charset="0"/>
                 <a:cs typeface="Consolas" pitchFamily="49" charset="0"/>
               </a:rPr>
-              <a:t>else if (town == 'varna')</a:t>
+              <a:t>else if (town == "varna“)</a:t>
             </a:r>
           </a:p>
           <a:p>
@@ -24169,7 +23964,7 @@
                 <a:latin typeface="Consolas" pitchFamily="49" charset="0"/>
                 <a:cs typeface="Consolas" pitchFamily="49" charset="0"/>
               </a:rPr>
-              <a:t>else if (town == 'plovdiv')</a:t>
+              <a:t>else if (town == "plovdiv")</a:t>
             </a:r>
           </a:p>
           <a:p>

--- a/4. Complex-Conditions/4. Complex-Conditions.pptx
+++ b/4. Complex-Conditions/4. Complex-Conditions.pptx
@@ -5664,7 +5664,7 @@
                 <a:latin typeface="Consolas" pitchFamily="49" charset="0"/>
                 <a:cs typeface="Consolas" pitchFamily="49" charset="0"/>
               </a:rPr>
-              <a:t>   cout &lt;&lt; “Inside\n“;</a:t>
+              <a:t>   cout &lt;&lt; "Inside\n";</a:t>
             </a:r>
           </a:p>
           <a:p>
@@ -5720,7 +5720,7 @@
                 <a:latin typeface="Consolas" pitchFamily="49" charset="0"/>
                 <a:cs typeface="Consolas" pitchFamily="49" charset="0"/>
               </a:rPr>
-              <a:t>   cout &lt;&lt; “Outside\n“;</a:t>
+              <a:t>   cout &lt;&lt; "Outside\n";</a:t>
             </a:r>
           </a:p>
         </p:txBody>
@@ -6307,7 +6307,7 @@
                 <a:latin typeface="Consolas" pitchFamily="49" charset="0"/>
                 <a:cs typeface="Consolas" pitchFamily="49" charset="0"/>
               </a:rPr>
-              <a:t>if (s == ”banana” </a:t>
+              <a:t>if (s == "banana" </a:t>
             </a:r>
             <a:r>
               <a:rPr lang="en-US" sz="2800" b="1" noProof="1">
@@ -6343,7 +6343,7 @@
                 <a:latin typeface="Consolas" pitchFamily="49" charset="0"/>
                 <a:cs typeface="Consolas" pitchFamily="49" charset="0"/>
               </a:rPr>
-              <a:t> s == ”apple” </a:t>
+              <a:t> s == "apple" </a:t>
             </a:r>
             <a:r>
               <a:rPr lang="en-US" sz="2800" b="1" noProof="1">
@@ -6379,7 +6379,7 @@
                 <a:latin typeface="Consolas" pitchFamily="49" charset="0"/>
                 <a:cs typeface="Consolas" pitchFamily="49" charset="0"/>
               </a:rPr>
-              <a:t> s == ”kiwi”)</a:t>
+              <a:t> s == "kiwi")</a:t>
             </a:r>
           </a:p>
           <a:p>
@@ -6410,7 +6410,7 @@
                 <a:latin typeface="Consolas" pitchFamily="49" charset="0"/>
                 <a:cs typeface="Consolas" pitchFamily="49" charset="0"/>
               </a:rPr>
-              <a:t>  cout &lt;&lt; ”fruit\n”;</a:t>
+              <a:t>  cout &lt;&lt; "fruit\n";</a:t>
             </a:r>
           </a:p>
         </p:txBody>
@@ -7085,7 +7085,38 @@
                 <a:latin typeface="Consolas" pitchFamily="49" charset="0"/>
                 <a:cs typeface="Consolas" pitchFamily="49" charset="0"/>
               </a:rPr>
-              <a:t>else if (s == "tomato" || s == "cucumber" || s == "pepper" || s == "carrot")</a:t>
+              <a:t>else if (s == "tomato" || s == "cucumber" || </a:t>
+            </a:r>
+          </a:p>
+          <a:p>
+            <a:pPr eaLnBrk="0" hangingPunct="0">
+              <a:lnSpc>
+                <a:spcPct val="105000"/>
+              </a:lnSpc>
+              <a:buClr>
+                <a:schemeClr val="accent5">
+                  <a:lumMod val="40000"/>
+                  <a:lumOff val="60000"/>
+                </a:schemeClr>
+              </a:buClr>
+              <a:buSzPct val="70000"/>
+            </a:pPr>
+            <a:r>
+              <a:rPr lang="en-US" sz="2800" b="1" noProof="1">
+                <a:solidFill>
+                  <a:srgbClr val="FBEEDC"/>
+                </a:solidFill>
+                <a:effectLst>
+                  <a:outerShdw blurRad="38100" dist="38100" dir="2700000" algn="tl">
+                    <a:srgbClr val="000000">
+                      <a:alpha val="43137"/>
+                    </a:srgbClr>
+                  </a:outerShdw>
+                </a:effectLst>
+                <a:latin typeface="Consolas" pitchFamily="49" charset="0"/>
+                <a:cs typeface="Consolas" pitchFamily="49" charset="0"/>
+              </a:rPr>
+              <a:t>         s == "pepper" || s == "carrot")</a:t>
             </a:r>
           </a:p>
           <a:p>
@@ -7585,7 +7616,7 @@
                 <a:latin typeface="Consolas" pitchFamily="49" charset="0"/>
                 <a:cs typeface="Consolas" pitchFamily="49" charset="0"/>
               </a:rPr>
-              <a:t>if (girl1 == “out” </a:t>
+              <a:t>if (girl1 == "out" </a:t>
             </a:r>
             <a:r>
               <a:rPr lang="en-US" sz="2800" b="1" noProof="1">
@@ -7621,7 +7652,7 @@
                 <a:latin typeface="Consolas" pitchFamily="49" charset="0"/>
                 <a:cs typeface="Consolas" pitchFamily="49" charset="0"/>
               </a:rPr>
-              <a:t> girl2 == “out”)</a:t>
+              <a:t> girl2 == "out")</a:t>
             </a:r>
           </a:p>
           <a:p>
@@ -7652,7 +7683,7 @@
                 <a:latin typeface="Consolas" pitchFamily="49" charset="0"/>
                 <a:cs typeface="Consolas" pitchFamily="49" charset="0"/>
               </a:rPr>
-              <a:t>    cout &lt;&lt; “Go out!”;</a:t>
+              <a:t>    cout &lt;&lt; "Go out!";</a:t>
             </a:r>
           </a:p>
           <a:p>
@@ -7714,7 +7745,7 @@
                 <a:latin typeface="Consolas" pitchFamily="49" charset="0"/>
                 <a:cs typeface="Consolas" pitchFamily="49" charset="0"/>
               </a:rPr>
-              <a:t>    cout &lt;&lt; “Stay at home!”;</a:t>
+              <a:t>    cout &lt;&lt; "Stay at home!";</a:t>
             </a:r>
           </a:p>
         </p:txBody>
@@ -8420,7 +8451,7 @@
                 <a:latin typeface="Consolas" pitchFamily="49" charset="0"/>
                 <a:cs typeface="Consolas" pitchFamily="49" charset="0"/>
               </a:rPr>
-              <a:t>bool inRange = </a:t>
+              <a:t>bool inRange = (</a:t>
             </a:r>
             <a:r>
               <a:rPr lang="bg-BG" b="1" noProof="1">
@@ -8488,7 +8519,7 @@
                 <a:latin typeface="Consolas" pitchFamily="49" charset="0"/>
                 <a:cs typeface="Consolas" pitchFamily="49" charset="0"/>
               </a:rPr>
-              <a:t> || num == 0;</a:t>
+              <a:t> || num == 0);</a:t>
             </a:r>
           </a:p>
           <a:p>
@@ -8586,7 +8617,7 @@
                 <a:latin typeface="Consolas" pitchFamily="49" charset="0"/>
                 <a:cs typeface="Consolas" pitchFamily="49" charset="0"/>
               </a:rPr>
-              <a:t>    cout &lt;&lt; “invalid\n”;</a:t>
+              <a:t>    cout &lt;&lt; "invalid\n";</a:t>
             </a:r>
           </a:p>
         </p:txBody>
@@ -10132,7 +10163,7 @@
                 <a:latin typeface="Consolas" pitchFamily="49" charset="0"/>
                 <a:cs typeface="Consolas" pitchFamily="49" charset="0"/>
               </a:rPr>
-              <a:t>    cout &lt;&lt; “Border\n”;</a:t>
+              <a:t>    cout &lt;&lt; "Border\n";</a:t>
             </a:r>
           </a:p>
         </p:txBody>
@@ -10384,7 +10415,7 @@
                 <a:latin typeface="Consolas" pitchFamily="49" charset="0"/>
                 <a:cs typeface="Consolas" pitchFamily="49" charset="0"/>
               </a:rPr>
-              <a:t>onRightSide = (x == x2) &amp;&amp; (y &gt;= y1) &amp;&amp; (y &lt;= y2),</a:t>
+              <a:t>     onRightSide = (x == x2) &amp;&amp; (y &gt;= y1) &amp;&amp; (y &lt;= y2),</a:t>
             </a:r>
           </a:p>
           <a:p>
@@ -10415,7 +10446,7 @@
                 <a:latin typeface="Consolas" pitchFamily="49" charset="0"/>
                 <a:cs typeface="Consolas" pitchFamily="49" charset="0"/>
               </a:rPr>
-              <a:t>onUpSide = (y == y1) &amp;&amp; (x &gt;= x1) &amp;&amp; (x &lt;= x2),</a:t>
+              <a:t>     onUpSide = (y == y1) &amp;&amp; (x &gt;= x1) &amp;&amp; (x &lt;= x2),</a:t>
             </a:r>
           </a:p>
           <a:p>
@@ -10446,7 +10477,7 @@
                 <a:latin typeface="Consolas" pitchFamily="49" charset="0"/>
                 <a:cs typeface="Consolas" pitchFamily="49" charset="0"/>
               </a:rPr>
-              <a:t>onDownSide = (y == y2) &amp;&amp; (x &gt;= x1) &amp;&amp; (x &lt;= x2);</a:t>
+              <a:t>     onDownSide = (y == y2) &amp;&amp; (x &gt;= x1) &amp;&amp; (x &lt;= x2);</a:t>
             </a:r>
           </a:p>
           <a:p>
@@ -10669,7 +10700,7 @@
                 <a:latin typeface="Consolas" pitchFamily="49" charset="0"/>
                 <a:cs typeface="Consolas" pitchFamily="49" charset="0"/>
               </a:rPr>
-              <a:t>    cout &lt;&lt; “Border”</a:t>
+              <a:t>    cout &lt;&lt; "Border\n";</a:t>
             </a:r>
           </a:p>
         </p:txBody>
@@ -13648,7 +13679,7 @@
         <p:spPr bwMode="auto">
           <a:xfrm>
             <a:off x="760412" y="1163993"/>
-            <a:ext cx="10668000" cy="4893647"/>
+            <a:ext cx="10668000" cy="5016758"/>
           </a:xfrm>
           <a:prstGeom prst="rect">
             <a:avLst/>
@@ -13923,7 +13954,7 @@
                 <a:latin typeface="Consolas" pitchFamily="49" charset="0"/>
                 <a:cs typeface="Consolas" pitchFamily="49" charset="0"/>
               </a:rPr>
-              <a:t>else if (day == "monday" || day == "tuesday" || day ==</a:t>
+              <a:t>else if (day == "monday" || day == "tuesday" || </a:t>
             </a:r>
           </a:p>
           <a:p>
@@ -13951,7 +13982,35 @@
                 <a:latin typeface="Consolas" pitchFamily="49" charset="0"/>
                 <a:cs typeface="Consolas" pitchFamily="49" charset="0"/>
               </a:rPr>
-              <a:t>   "wednesday" || day == "thursday" || day == "friday")</a:t>
+              <a:t>         day == "wednesday" || day == "thursday" || </a:t>
+            </a:r>
+          </a:p>
+          <a:p>
+            <a:pPr eaLnBrk="0" hangingPunct="0">
+              <a:buClr>
+                <a:schemeClr val="accent5">
+                  <a:lumMod val="40000"/>
+                  <a:lumOff val="60000"/>
+                </a:schemeClr>
+              </a:buClr>
+              <a:buSzPct val="70000"/>
+            </a:pPr>
+            <a:r>
+              <a:rPr lang="en-US" sz="2000" b="1" noProof="1">
+                <a:solidFill>
+                  <a:srgbClr val="FBEEDC"/>
+                </a:solidFill>
+                <a:effectLst>
+                  <a:outerShdw blurRad="38100" dist="38100" dir="2700000" algn="tl">
+                    <a:srgbClr val="000000">
+                      <a:alpha val="43137"/>
+                    </a:srgbClr>
+                  </a:outerShdw>
+                </a:effectLst>
+                <a:latin typeface="Consolas" pitchFamily="49" charset="0"/>
+                <a:cs typeface="Consolas" pitchFamily="49" charset="0"/>
+              </a:rPr>
+              <a:t>         day == "friday")</a:t>
             </a:r>
           </a:p>
           <a:p>
@@ -14239,11 +14298,11 @@
                   </a:schemeClr>
                 </a:solidFill>
               </a:rPr>
-              <a:t>комисионни</a:t>
+              <a:t>комисионни </a:t>
             </a:r>
             <a:r>
               <a:rPr lang="bg-BG" sz="3200" dirty="0"/>
-              <a:t> на търговците си според </a:t>
+              <a:t>на търговците си според </a:t>
             </a:r>
             <a:r>
               <a:rPr lang="bg-BG" sz="3200" dirty="0">
@@ -15783,8 +15842,8 @@
         </p:nvSpPr>
         <p:spPr bwMode="auto">
           <a:xfrm>
-            <a:off x="622412" y="1143000"/>
-            <a:ext cx="10944000" cy="4801314"/>
+            <a:off x="622412" y="838200"/>
+            <a:ext cx="10944000" cy="5355312"/>
           </a:xfrm>
           <a:prstGeom prst="rect">
             <a:avLst/>
@@ -15835,7 +15894,7 @@
                 <a:latin typeface="Consolas" pitchFamily="49" charset="0"/>
                 <a:cs typeface="Consolas" pitchFamily="49" charset="0"/>
               </a:rPr>
-              <a:t>#include &lt;iomanip&gt;</a:t>
+              <a:t>#include &lt;iomanip&gt; </a:t>
             </a:r>
           </a:p>
           <a:p>
@@ -15851,7 +15910,10 @@
             <a:r>
               <a:rPr lang="en-US" sz="1800" b="1" noProof="1">
                 <a:solidFill>
-                  <a:srgbClr val="FBEEDC"/>
+                  <a:schemeClr val="accent1">
+                    <a:lumMod val="60000"/>
+                    <a:lumOff val="40000"/>
+                  </a:schemeClr>
                 </a:solidFill>
                 <a:effectLst>
                   <a:outerShdw blurRad="38100" dist="38100" dir="2700000" algn="tl">
@@ -15863,7 +15925,7 @@
                 <a:latin typeface="Consolas" pitchFamily="49" charset="0"/>
                 <a:cs typeface="Consolas" pitchFamily="49" charset="0"/>
               </a:rPr>
-              <a:t>……</a:t>
+              <a:t>//iomanip = Input/Output manipulations; It is used for 'setpercision' function</a:t>
             </a:r>
           </a:p>
           <a:p>
@@ -15879,7 +15941,10 @@
             <a:r>
               <a:rPr lang="en-US" sz="1800" b="1" noProof="1">
                 <a:solidFill>
-                  <a:srgbClr val="FBEEDC"/>
+                  <a:schemeClr val="accent1">
+                    <a:lumMod val="60000"/>
+                    <a:lumOff val="40000"/>
+                  </a:schemeClr>
                 </a:solidFill>
                 <a:effectLst>
                   <a:outerShdw blurRad="38100" dist="38100" dir="2700000" algn="tl">
@@ -15891,7 +15956,7 @@
                 <a:latin typeface="Consolas" pitchFamily="49" charset="0"/>
                 <a:cs typeface="Consolas" pitchFamily="49" charset="0"/>
               </a:rPr>
-              <a:t>float commission = -1.0;</a:t>
+              <a:t>//it sets number of digits after decimal point</a:t>
             </a:r>
           </a:p>
           <a:p>
@@ -15919,7 +15984,7 @@
                 <a:latin typeface="Consolas" pitchFamily="49" charset="0"/>
                 <a:cs typeface="Consolas" pitchFamily="49" charset="0"/>
               </a:rPr>
-              <a:t>if (town == "sofia")</a:t>
+              <a:t>……</a:t>
             </a:r>
           </a:p>
           <a:p>
@@ -15947,7 +16012,7 @@
                 <a:latin typeface="Consolas" pitchFamily="49" charset="0"/>
                 <a:cs typeface="Consolas" pitchFamily="49" charset="0"/>
               </a:rPr>
-              <a:t>{</a:t>
+              <a:t>float commission = -1.0;</a:t>
             </a:r>
           </a:p>
           <a:p>
@@ -15975,7 +16040,7 @@
                 <a:latin typeface="Consolas" pitchFamily="49" charset="0"/>
                 <a:cs typeface="Consolas" pitchFamily="49" charset="0"/>
               </a:rPr>
-              <a:t>    if (0 &lt;= sales &amp;&amp; sales &lt;= 500)</a:t>
+              <a:t>if (town == "sofia")</a:t>
             </a:r>
           </a:p>
           <a:p>
@@ -16003,7 +16068,7 @@
                 <a:latin typeface="Consolas" pitchFamily="49" charset="0"/>
                 <a:cs typeface="Consolas" pitchFamily="49" charset="0"/>
               </a:rPr>
-              <a:t>        commission = 0.05;</a:t>
+              <a:t>{</a:t>
             </a:r>
           </a:p>
           <a:p>
@@ -16031,7 +16096,7 @@
                 <a:latin typeface="Consolas" pitchFamily="49" charset="0"/>
                 <a:cs typeface="Consolas" pitchFamily="49" charset="0"/>
               </a:rPr>
-              <a:t>    else if (500 &lt; sales &amp;&amp; sales &lt;= 1000)</a:t>
+              <a:t>    if (0 &lt;= sales &amp;&amp; sales &lt;= 500)</a:t>
             </a:r>
           </a:p>
           <a:p>
@@ -16059,7 +16124,7 @@
                 <a:latin typeface="Consolas" pitchFamily="49" charset="0"/>
                 <a:cs typeface="Consolas" pitchFamily="49" charset="0"/>
               </a:rPr>
-              <a:t>        commission = 0.07;</a:t>
+              <a:t>        commission = 0.05;</a:t>
             </a:r>
           </a:p>
           <a:p>
@@ -16087,7 +16152,7 @@
                 <a:latin typeface="Consolas" pitchFamily="49" charset="0"/>
                 <a:cs typeface="Consolas" pitchFamily="49" charset="0"/>
               </a:rPr>
-              <a:t>    // TODO: check the other price ranges … </a:t>
+              <a:t>    else if (500 &lt; sales &amp;&amp; sales &lt;= 1000)</a:t>
             </a:r>
           </a:p>
           <a:p>
@@ -16115,7 +16180,7 @@
                 <a:latin typeface="Consolas" pitchFamily="49" charset="0"/>
                 <a:cs typeface="Consolas" pitchFamily="49" charset="0"/>
               </a:rPr>
-              <a:t>}</a:t>
+              <a:t>        commission = 0.07;</a:t>
             </a:r>
           </a:p>
           <a:p>
@@ -16143,7 +16208,7 @@
                 <a:latin typeface="Consolas" pitchFamily="49" charset="0"/>
                 <a:cs typeface="Consolas" pitchFamily="49" charset="0"/>
               </a:rPr>
-              <a:t>else if (town == "varna") { /* TODO: check the price ranges …*/ }</a:t>
+              <a:t>    // TODO: check the other price ranges … </a:t>
             </a:r>
           </a:p>
           <a:p>
@@ -16171,7 +16236,7 @@
                 <a:latin typeface="Consolas" pitchFamily="49" charset="0"/>
                 <a:cs typeface="Consolas" pitchFamily="49" charset="0"/>
               </a:rPr>
-              <a:t>else if (town == "plovdiv") { /* TODO: check the price ranges …*/ }</a:t>
+              <a:t>}</a:t>
             </a:r>
           </a:p>
           <a:p>
@@ -16199,7 +16264,7 @@
                 <a:latin typeface="Consolas" pitchFamily="49" charset="0"/>
                 <a:cs typeface="Consolas" pitchFamily="49" charset="0"/>
               </a:rPr>
-              <a:t>if (commission &gt;= 0)</a:t>
+              <a:t>else if (town == "varna") { /* TODO: check the price ranges …*/ }</a:t>
             </a:r>
           </a:p>
           <a:p>
@@ -16227,12 +16292,19 @@
                 <a:latin typeface="Consolas" pitchFamily="49" charset="0"/>
                 <a:cs typeface="Consolas" pitchFamily="49" charset="0"/>
               </a:rPr>
-              <a:t>    cout &lt;&lt; </a:t>
-            </a:r>
-            <a:r>
-              <a:rPr lang="en-US" sz="1800" b="1" dirty="0" err="1"/>
-              <a:t>setprecision</a:t>
-            </a:r>
+              <a:t>else if (town == "plovdiv") { /* TODO: check the price ranges …*/ }</a:t>
+            </a:r>
+          </a:p>
+          <a:p>
+            <a:pPr eaLnBrk="0" hangingPunct="0">
+              <a:buClr>
+                <a:schemeClr val="accent5">
+                  <a:lumMod val="40000"/>
+                  <a:lumOff val="60000"/>
+                </a:schemeClr>
+              </a:buClr>
+              <a:buSzPct val="70000"/>
+            </a:pPr>
             <a:r>
               <a:rPr lang="en-US" sz="1800" b="1" noProof="1">
                 <a:solidFill>
@@ -16248,7 +16320,72 @@
                 <a:latin typeface="Consolas" pitchFamily="49" charset="0"/>
                 <a:cs typeface="Consolas" pitchFamily="49" charset="0"/>
               </a:rPr>
-              <a:t>(2) &lt;&lt; sales * commission &lt;&lt; "\n";</a:t>
+              <a:t>if (commission &gt;= 0)</a:t>
+            </a:r>
+          </a:p>
+          <a:p>
+            <a:pPr eaLnBrk="0" hangingPunct="0">
+              <a:buClr>
+                <a:schemeClr val="accent5">
+                  <a:lumMod val="40000"/>
+                  <a:lumOff val="60000"/>
+                </a:schemeClr>
+              </a:buClr>
+              <a:buSzPct val="70000"/>
+            </a:pPr>
+            <a:r>
+              <a:rPr lang="en-US" sz="1800" b="1" noProof="1">
+                <a:solidFill>
+                  <a:srgbClr val="FBEEDC"/>
+                </a:solidFill>
+                <a:effectLst>
+                  <a:outerShdw blurRad="38100" dist="38100" dir="2700000" algn="tl">
+                    <a:srgbClr val="000000">
+                      <a:alpha val="43137"/>
+                    </a:srgbClr>
+                  </a:outerShdw>
+                </a:effectLst>
+                <a:latin typeface="Consolas" pitchFamily="49" charset="0"/>
+                <a:cs typeface="Consolas" pitchFamily="49" charset="0"/>
+              </a:rPr>
+              <a:t>    cout &lt;&lt; </a:t>
+            </a:r>
+            <a:r>
+              <a:rPr lang="en-US" sz="1800" b="1" noProof="1">
+                <a:solidFill>
+                  <a:schemeClr val="accent1">
+                    <a:lumMod val="60000"/>
+                    <a:lumOff val="40000"/>
+                  </a:schemeClr>
+                </a:solidFill>
+                <a:effectLst>
+                  <a:outerShdw blurRad="38100" dist="38100" dir="2700000" algn="tl">
+                    <a:srgbClr val="000000">
+                      <a:alpha val="43137"/>
+                    </a:srgbClr>
+                  </a:outerShdw>
+                </a:effectLst>
+                <a:latin typeface="Consolas" pitchFamily="49" charset="0"/>
+                <a:cs typeface="Consolas" pitchFamily="49" charset="0"/>
+              </a:rPr>
+              <a:t>setpercision(2)</a:t>
+            </a:r>
+            <a:r>
+              <a:rPr lang="en-US" sz="1800" b="1" noProof="1">
+                <a:solidFill>
+                  <a:srgbClr val="FBEEDC"/>
+                </a:solidFill>
+                <a:effectLst>
+                  <a:outerShdw blurRad="38100" dist="38100" dir="2700000" algn="tl">
+                    <a:srgbClr val="000000">
+                      <a:alpha val="43137"/>
+                    </a:srgbClr>
+                  </a:outerShdw>
+                </a:effectLst>
+                <a:latin typeface="Consolas" pitchFamily="49" charset="0"/>
+                <a:cs typeface="Consolas" pitchFamily="49" charset="0"/>
+              </a:rPr>
+              <a:t> &lt;&lt; sales * commission &lt;&lt; "\n";</a:t>
             </a:r>
           </a:p>
           <a:p>
@@ -17381,7 +17518,7 @@
                 <a:latin typeface="Consolas" pitchFamily="49" charset="0"/>
                 <a:cs typeface="Consolas" pitchFamily="49" charset="0"/>
               </a:rPr>
-              <a:t>  cout &lt;&lt; “Point on the left or right side.\n”;</a:t>
+              <a:t>  cout &lt;&lt; "Point on the left or right side.\n";</a:t>
             </a:r>
           </a:p>
         </p:txBody>
@@ -18879,10 +19016,10 @@
         </p:nvGrpSpPr>
         <p:grpSpPr>
           <a:xfrm>
-            <a:off x="989012" y="1934146"/>
-            <a:ext cx="10363200" cy="4672048"/>
-            <a:chOff x="1337076" y="1856035"/>
-            <a:chExt cx="10363200" cy="4672048"/>
+            <a:off x="932936" y="2030961"/>
+            <a:ext cx="10363200" cy="4690515"/>
+            <a:chOff x="1281000" y="1952850"/>
+            <a:chExt cx="10363200" cy="4690515"/>
           </a:xfrm>
         </p:grpSpPr>
         <p:sp>
@@ -18955,8 +19092,8 @@
           </p:nvSpPr>
           <p:spPr bwMode="auto">
             <a:xfrm>
-              <a:off x="1337076" y="1856035"/>
-              <a:ext cx="10363200" cy="4672048"/>
+              <a:off x="1281000" y="1952850"/>
+              <a:ext cx="10363200" cy="4690515"/>
             </a:xfrm>
             <a:prstGeom prst="rect">
               <a:avLst/>
@@ -19172,7 +19309,7 @@
                   <a:latin typeface="Consolas" pitchFamily="49" charset="0"/>
                   <a:cs typeface="Consolas" pitchFamily="49" charset="0"/>
                 </a:rPr>
-                <a:t>        print('condition2 valid')</a:t>
+                <a:t>        cout &lt;&lt; "valid\n";</a:t>
               </a:r>
             </a:p>
             <a:p>
@@ -19322,6 +19459,20 @@
                 </a:rPr>
                 <a:t>    {</a:t>
               </a:r>
+              <a:endParaRPr lang="en-US" sz="1400" b="1" noProof="1">
+                <a:solidFill>
+                  <a:srgbClr val="FBEEDC"/>
+                </a:solidFill>
+                <a:effectLst>
+                  <a:outerShdw blurRad="38100" dist="38100" dir="2700000" algn="tl">
+                    <a:srgbClr val="000000">
+                      <a:alpha val="43137"/>
+                    </a:srgbClr>
+                  </a:outerShdw>
+                </a:effectLst>
+                <a:latin typeface="Consolas" pitchFamily="49" charset="0"/>
+                <a:cs typeface="Consolas" pitchFamily="49" charset="0"/>
+              </a:endParaRPr>
             </a:p>
             <a:p>
               <a:pPr eaLnBrk="0" hangingPunct="0">
@@ -19351,61 +19502,24 @@
                   <a:latin typeface="Consolas" pitchFamily="49" charset="0"/>
                   <a:cs typeface="Consolas" pitchFamily="49" charset="0"/>
                 </a:rPr>
-                <a:t> </a:t>
+                <a:t>        cout &lt;&lt; “condition2 not valid\n";</a:t>
               </a:r>
-              <a:r>
-                <a:rPr lang="bg-BG" sz="1400" b="1" noProof="1">
-                  <a:solidFill>
-                    <a:srgbClr val="FBEEDC"/>
-                  </a:solidFill>
-                  <a:effectLst>
-                    <a:outerShdw blurRad="38100" dist="38100" dir="2700000" algn="tl">
-                      <a:srgbClr val="000000">
-                        <a:alpha val="43137"/>
-                      </a:srgbClr>
-                    </a:outerShdw>
-                  </a:effectLst>
-                  <a:latin typeface="Consolas" pitchFamily="49" charset="0"/>
-                  <a:cs typeface="Consolas" pitchFamily="49" charset="0"/>
-                </a:rPr>
-                <a:t>  </a:t>
-              </a:r>
-              <a:r>
-                <a:rPr lang="en-US" sz="1400" b="1" noProof="1">
-                  <a:solidFill>
-                    <a:srgbClr val="FBEEDC"/>
-                  </a:solidFill>
-                  <a:effectLst>
-                    <a:outerShdw blurRad="38100" dist="38100" dir="2700000" algn="tl">
-                      <a:srgbClr val="000000">
-                        <a:alpha val="43137"/>
-                      </a:srgbClr>
-                    </a:outerShdw>
-                  </a:effectLst>
-                  <a:latin typeface="Consolas" pitchFamily="49" charset="0"/>
-                  <a:cs typeface="Consolas" pitchFamily="49" charset="0"/>
-                </a:rPr>
-                <a:t>     print('condition2 not valid')</a:t>
-              </a:r>
-              <a:r>
-                <a:rPr lang="en-US" sz="1400" b="1" noProof="1">
-                  <a:solidFill>
-                    <a:schemeClr val="tx2">
-                      <a:lumMod val="75000"/>
-                    </a:schemeClr>
-                  </a:solidFill>
-                  <a:effectLst>
-                    <a:outerShdw blurRad="38100" dist="38100" dir="2700000" algn="tl">
-                      <a:srgbClr val="000000">
-                        <a:alpha val="43137"/>
-                      </a:srgbClr>
-                    </a:outerShdw>
-                  </a:effectLst>
-                  <a:latin typeface="Consolas" pitchFamily="49" charset="0"/>
-                  <a:cs typeface="Consolas" pitchFamily="49" charset="0"/>
-                </a:rPr>
-                <a:t> </a:t>
-              </a:r>
+              <a:endParaRPr lang="en-US" sz="1400" b="1" noProof="1">
+                <a:solidFill>
+                  <a:schemeClr val="tx2">
+                    <a:lumMod val="75000"/>
+                  </a:schemeClr>
+                </a:solidFill>
+                <a:effectLst>
+                  <a:outerShdw blurRad="38100" dist="38100" dir="2700000" algn="tl">
+                    <a:srgbClr val="000000">
+                      <a:alpha val="43137"/>
+                    </a:srgbClr>
+                  </a:outerShdw>
+                </a:effectLst>
+                <a:latin typeface="Consolas" pitchFamily="49" charset="0"/>
+                <a:cs typeface="Consolas" pitchFamily="49" charset="0"/>
+              </a:endParaRPr>
             </a:p>
             <a:p>
               <a:pPr eaLnBrk="0" hangingPunct="0">
@@ -19459,9 +19573,6 @@
                 <a:lnSpc>
                   <a:spcPct val="120000"/>
                 </a:lnSpc>
-                <a:spcBef>
-                  <a:spcPts val="600"/>
-                </a:spcBef>
                 <a:buClr>
                   <a:schemeClr val="accent5">
                     <a:lumMod val="40000"/>
@@ -19470,23 +19581,6 @@
                 </a:buClr>
                 <a:buSzPct val="70000"/>
               </a:pPr>
-              <a:r>
-                <a:rPr lang="bg-BG" sz="1400" b="1" noProof="1">
-                  <a:solidFill>
-                    <a:srgbClr val="FBEEDC"/>
-                  </a:solidFill>
-                  <a:effectLst>
-                    <a:outerShdw blurRad="38100" dist="38100" dir="2700000" algn="tl">
-                      <a:srgbClr val="000000">
-                        <a:alpha val="43137"/>
-                      </a:srgbClr>
-                    </a:outerShdw>
-                  </a:effectLst>
-                  <a:latin typeface="Consolas" pitchFamily="49" charset="0"/>
-                  <a:cs typeface="Consolas" pitchFamily="49" charset="0"/>
-                </a:rPr>
-                <a:t> </a:t>
-              </a:r>
               <a:r>
                 <a:rPr lang="en-US" sz="1400" b="1" noProof="1">
                   <a:solidFill>
@@ -19502,7 +19596,7 @@
                   <a:latin typeface="Consolas" pitchFamily="49" charset="0"/>
                   <a:cs typeface="Consolas" pitchFamily="49" charset="0"/>
                 </a:rPr>
-                <a:t>   print('condition1 valid')</a:t>
+                <a:t>    cout &lt;&lt; “condition1 valid\n";</a:t>
               </a:r>
             </a:p>
             <a:p>
@@ -19658,7 +19752,7 @@
                   <a:latin typeface="Consolas" pitchFamily="49" charset="0"/>
                   <a:cs typeface="Consolas" pitchFamily="49" charset="0"/>
                 </a:rPr>
-                <a:t>    print('condition1 not va</a:t>
+                <a:t>    cout &lt;&lt; "condition1 not va</a:t>
               </a:r>
               <a:r>
                 <a:rPr lang="sv-SE" sz="1400" b="1" noProof="1">
@@ -19692,27 +19786,24 @@
                   <a:latin typeface="Consolas" pitchFamily="49" charset="0"/>
                   <a:cs typeface="Consolas" pitchFamily="49" charset="0"/>
                 </a:rPr>
-                <a:t>')</a:t>
+                <a:t>";</a:t>
               </a:r>
-              <a:r>
-                <a:rPr lang="en-US" sz="1400" b="1" noProof="1">
-                  <a:solidFill>
-                    <a:schemeClr val="tx2">
-                      <a:lumMod val="75000"/>
-                    </a:schemeClr>
-                  </a:solidFill>
-                  <a:effectLst>
-                    <a:outerShdw blurRad="38100" dist="38100" dir="2700000" algn="tl">
-                      <a:srgbClr val="000000">
-                        <a:alpha val="43137"/>
-                      </a:srgbClr>
-                    </a:outerShdw>
-                  </a:effectLst>
-                  <a:latin typeface="Consolas" pitchFamily="49" charset="0"/>
-                  <a:cs typeface="Consolas" pitchFamily="49" charset="0"/>
-                </a:rPr>
-                <a:t> </a:t>
-              </a:r>
+              <a:endParaRPr lang="en-US" sz="1400" b="1" noProof="1">
+                <a:solidFill>
+                  <a:schemeClr val="tx2">
+                    <a:lumMod val="75000"/>
+                  </a:schemeClr>
+                </a:solidFill>
+                <a:effectLst>
+                  <a:outerShdw blurRad="38100" dist="38100" dir="2700000" algn="tl">
+                    <a:srgbClr val="000000">
+                      <a:alpha val="43137"/>
+                    </a:srgbClr>
+                  </a:outerShdw>
+                </a:effectLst>
+                <a:latin typeface="Consolas" pitchFamily="49" charset="0"/>
+                <a:cs typeface="Consolas" pitchFamily="49" charset="0"/>
+              </a:endParaRPr>
             </a:p>
             <a:p>
               <a:pPr eaLnBrk="0" hangingPunct="0">
@@ -23852,7 +23943,7 @@
                 <a:latin typeface="Consolas" pitchFamily="49" charset="0"/>
                 <a:cs typeface="Consolas" pitchFamily="49" charset="0"/>
               </a:rPr>
-              <a:t>else if (town == "varna“)</a:t>
+              <a:t>else if (town == "varna")</a:t>
             </a:r>
           </a:p>
           <a:p>

--- a/4. Complex-Conditions/4. Complex-Conditions.pptx
+++ b/4. Complex-Conditions/4. Complex-Conditions.pptx
@@ -254,7 +254,7 @@
             <a:fld id="{FE5B4EDC-59C0-49C7-8ADA-5A781B329E02}" type="datetimeFigureOut">
               <a:rPr lang="en-US"/>
               <a:pPr/>
-              <a:t>3/27/2017</a:t>
+              <a:t>3/29/2017</a:t>
             </a:fld>
             <a:endParaRPr dirty="0"/>
           </a:p>
@@ -453,7 +453,7 @@
             <a:fld id="{F2D8D46A-B586-417D-BFBD-8C8FE0AAF762}" type="datetimeFigureOut">
               <a:rPr lang="en-US" smtClean="0"/>
               <a:pPr/>
-              <a:t>3/27/2017</a:t>
+              <a:t>3/29/2017</a:t>
             </a:fld>
             <a:endParaRPr lang="en-US"/>
           </a:p>
@@ -2171,7 +2171,7 @@
             <a:fld id="{055373AC-9AA7-423B-BA00-BA1C74164DBD}" type="datetime1">
               <a:rPr lang="en-US" smtClean="0"/>
               <a:pPr/>
-              <a:t>3/27/2017</a:t>
+              <a:t>3/29/2017</a:t>
             </a:fld>
             <a:endParaRPr lang="en-US" dirty="0"/>
           </a:p>
@@ -3339,7 +3339,7 @@
             <a:fld id="{055373AC-9AA7-423B-BA00-BA1C74164DBD}" type="datetime1">
               <a:rPr lang="en-US" smtClean="0"/>
               <a:pPr/>
-              <a:t>3/27/2017</a:t>
+              <a:t>3/29/2017</a:t>
             </a:fld>
             <a:endParaRPr lang="en-US" dirty="0"/>
           </a:p>
@@ -15843,7 +15843,7 @@
         <p:spPr bwMode="auto">
           <a:xfrm>
             <a:off x="622412" y="838200"/>
-            <a:ext cx="10944000" cy="5355312"/>
+            <a:ext cx="10944000" cy="5324535"/>
           </a:xfrm>
           <a:prstGeom prst="rect">
             <a:avLst/>
@@ -15880,7 +15880,7 @@
               <a:buSzPct val="70000"/>
             </a:pPr>
             <a:r>
-              <a:rPr lang="en-US" sz="1800" b="1" noProof="1">
+              <a:rPr lang="en-US" sz="2000" b="1" noProof="1">
                 <a:solidFill>
                   <a:srgbClr val="FBEEDC"/>
                 </a:solidFill>
@@ -15908,12 +15908,9 @@
               <a:buSzPct val="70000"/>
             </a:pPr>
             <a:r>
-              <a:rPr lang="en-US" sz="1800" b="1" noProof="1">
-                <a:solidFill>
-                  <a:schemeClr val="accent1">
-                    <a:lumMod val="60000"/>
-                    <a:lumOff val="40000"/>
-                  </a:schemeClr>
+              <a:rPr lang="en-US" sz="2000" b="1" noProof="1">
+                <a:solidFill>
+                  <a:srgbClr val="FBEEDC"/>
                 </a:solidFill>
                 <a:effectLst>
                   <a:outerShdw blurRad="38100" dist="38100" dir="2700000" algn="tl">
@@ -15925,7 +15922,7 @@
                 <a:latin typeface="Consolas" pitchFamily="49" charset="0"/>
                 <a:cs typeface="Consolas" pitchFamily="49" charset="0"/>
               </a:rPr>
-              <a:t>//iomanip = Input/Output manipulations; It is used for 'setpercision' function</a:t>
+              <a:t>……</a:t>
             </a:r>
           </a:p>
           <a:p>
@@ -15939,12 +15936,9 @@
               <a:buSzPct val="70000"/>
             </a:pPr>
             <a:r>
-              <a:rPr lang="en-US" sz="1800" b="1" noProof="1">
-                <a:solidFill>
-                  <a:schemeClr val="accent1">
-                    <a:lumMod val="60000"/>
-                    <a:lumOff val="40000"/>
-                  </a:schemeClr>
+              <a:rPr lang="en-US" sz="2000" b="1" noProof="1">
+                <a:solidFill>
+                  <a:srgbClr val="FBEEDC"/>
                 </a:solidFill>
                 <a:effectLst>
                   <a:outerShdw blurRad="38100" dist="38100" dir="2700000" algn="tl">
@@ -15956,7 +15950,7 @@
                 <a:latin typeface="Consolas" pitchFamily="49" charset="0"/>
                 <a:cs typeface="Consolas" pitchFamily="49" charset="0"/>
               </a:rPr>
-              <a:t>//it sets number of digits after decimal point</a:t>
+              <a:t>float commission = -1.0;</a:t>
             </a:r>
           </a:p>
           <a:p>
@@ -15970,7 +15964,7 @@
               <a:buSzPct val="70000"/>
             </a:pPr>
             <a:r>
-              <a:rPr lang="en-US" sz="1800" b="1" noProof="1">
+              <a:rPr lang="en-US" sz="2000" b="1" noProof="1">
                 <a:solidFill>
                   <a:srgbClr val="FBEEDC"/>
                 </a:solidFill>
@@ -15984,7 +15978,7 @@
                 <a:latin typeface="Consolas" pitchFamily="49" charset="0"/>
                 <a:cs typeface="Consolas" pitchFamily="49" charset="0"/>
               </a:rPr>
-              <a:t>……</a:t>
+              <a:t>if (town == "sofia")</a:t>
             </a:r>
           </a:p>
           <a:p>
@@ -15998,7 +15992,7 @@
               <a:buSzPct val="70000"/>
             </a:pPr>
             <a:r>
-              <a:rPr lang="en-US" sz="1800" b="1" noProof="1">
+              <a:rPr lang="en-US" sz="2000" b="1" noProof="1">
                 <a:solidFill>
                   <a:srgbClr val="FBEEDC"/>
                 </a:solidFill>
@@ -16012,7 +16006,7 @@
                 <a:latin typeface="Consolas" pitchFamily="49" charset="0"/>
                 <a:cs typeface="Consolas" pitchFamily="49" charset="0"/>
               </a:rPr>
-              <a:t>float commission = -1.0;</a:t>
+              <a:t>{</a:t>
             </a:r>
           </a:p>
           <a:p>
@@ -16026,7 +16020,7 @@
               <a:buSzPct val="70000"/>
             </a:pPr>
             <a:r>
-              <a:rPr lang="en-US" sz="1800" b="1" noProof="1">
+              <a:rPr lang="en-US" sz="2000" b="1" noProof="1">
                 <a:solidFill>
                   <a:srgbClr val="FBEEDC"/>
                 </a:solidFill>
@@ -16040,7 +16034,7 @@
                 <a:latin typeface="Consolas" pitchFamily="49" charset="0"/>
                 <a:cs typeface="Consolas" pitchFamily="49" charset="0"/>
               </a:rPr>
-              <a:t>if (town == "sofia")</a:t>
+              <a:t>    if (0 &lt;= sales &amp;&amp; sales &lt;= 500)</a:t>
             </a:r>
           </a:p>
           <a:p>
@@ -16054,7 +16048,7 @@
               <a:buSzPct val="70000"/>
             </a:pPr>
             <a:r>
-              <a:rPr lang="en-US" sz="1800" b="1" noProof="1">
+              <a:rPr lang="en-US" sz="2000" b="1" noProof="1">
                 <a:solidFill>
                   <a:srgbClr val="FBEEDC"/>
                 </a:solidFill>
@@ -16068,7 +16062,7 @@
                 <a:latin typeface="Consolas" pitchFamily="49" charset="0"/>
                 <a:cs typeface="Consolas" pitchFamily="49" charset="0"/>
               </a:rPr>
-              <a:t>{</a:t>
+              <a:t>        commission = 0.05;</a:t>
             </a:r>
           </a:p>
           <a:p>
@@ -16082,7 +16076,7 @@
               <a:buSzPct val="70000"/>
             </a:pPr>
             <a:r>
-              <a:rPr lang="en-US" sz="1800" b="1" noProof="1">
+              <a:rPr lang="en-US" sz="2000" b="1" noProof="1">
                 <a:solidFill>
                   <a:srgbClr val="FBEEDC"/>
                 </a:solidFill>
@@ -16096,7 +16090,7 @@
                 <a:latin typeface="Consolas" pitchFamily="49" charset="0"/>
                 <a:cs typeface="Consolas" pitchFamily="49" charset="0"/>
               </a:rPr>
-              <a:t>    if (0 &lt;= sales &amp;&amp; sales &lt;= 500)</a:t>
+              <a:t>    else if (500 &lt; sales &amp;&amp; sales &lt;= 1000)</a:t>
             </a:r>
           </a:p>
           <a:p>
@@ -16110,7 +16104,7 @@
               <a:buSzPct val="70000"/>
             </a:pPr>
             <a:r>
-              <a:rPr lang="en-US" sz="1800" b="1" noProof="1">
+              <a:rPr lang="en-US" sz="2000" b="1" noProof="1">
                 <a:solidFill>
                   <a:srgbClr val="FBEEDC"/>
                 </a:solidFill>
@@ -16124,7 +16118,7 @@
                 <a:latin typeface="Consolas" pitchFamily="49" charset="0"/>
                 <a:cs typeface="Consolas" pitchFamily="49" charset="0"/>
               </a:rPr>
-              <a:t>        commission = 0.05;</a:t>
+              <a:t>        commission = 0.07;</a:t>
             </a:r>
           </a:p>
           <a:p>
@@ -16138,7 +16132,7 @@
               <a:buSzPct val="70000"/>
             </a:pPr>
             <a:r>
-              <a:rPr lang="en-US" sz="1800" b="1" noProof="1">
+              <a:rPr lang="en-US" sz="2000" b="1" noProof="1">
                 <a:solidFill>
                   <a:srgbClr val="FBEEDC"/>
                 </a:solidFill>
@@ -16152,7 +16146,7 @@
                 <a:latin typeface="Consolas" pitchFamily="49" charset="0"/>
                 <a:cs typeface="Consolas" pitchFamily="49" charset="0"/>
               </a:rPr>
-              <a:t>    else if (500 &lt; sales &amp;&amp; sales &lt;= 1000)</a:t>
+              <a:t>    // TODO: check the other price ranges … </a:t>
             </a:r>
           </a:p>
           <a:p>
@@ -16166,7 +16160,7 @@
               <a:buSzPct val="70000"/>
             </a:pPr>
             <a:r>
-              <a:rPr lang="en-US" sz="1800" b="1" noProof="1">
+              <a:rPr lang="en-US" sz="2000" b="1" noProof="1">
                 <a:solidFill>
                   <a:srgbClr val="FBEEDC"/>
                 </a:solidFill>
@@ -16180,7 +16174,7 @@
                 <a:latin typeface="Consolas" pitchFamily="49" charset="0"/>
                 <a:cs typeface="Consolas" pitchFamily="49" charset="0"/>
               </a:rPr>
-              <a:t>        commission = 0.07;</a:t>
+              <a:t>}</a:t>
             </a:r>
           </a:p>
           <a:p>
@@ -16194,7 +16188,7 @@
               <a:buSzPct val="70000"/>
             </a:pPr>
             <a:r>
-              <a:rPr lang="en-US" sz="1800" b="1" noProof="1">
+              <a:rPr lang="en-US" sz="2000" b="1" noProof="1">
                 <a:solidFill>
                   <a:srgbClr val="FBEEDC"/>
                 </a:solidFill>
@@ -16208,7 +16202,7 @@
                 <a:latin typeface="Consolas" pitchFamily="49" charset="0"/>
                 <a:cs typeface="Consolas" pitchFamily="49" charset="0"/>
               </a:rPr>
-              <a:t>    // TODO: check the other price ranges … </a:t>
+              <a:t>else if (town == "varna") { /* TODO: check the price ranges …*/ }</a:t>
             </a:r>
           </a:p>
           <a:p>
@@ -16222,7 +16216,7 @@
               <a:buSzPct val="70000"/>
             </a:pPr>
             <a:r>
-              <a:rPr lang="en-US" sz="1800" b="1" noProof="1">
+              <a:rPr lang="en-US" sz="2000" b="1" noProof="1">
                 <a:solidFill>
                   <a:srgbClr val="FBEEDC"/>
                 </a:solidFill>
@@ -16236,7 +16230,7 @@
                 <a:latin typeface="Consolas" pitchFamily="49" charset="0"/>
                 <a:cs typeface="Consolas" pitchFamily="49" charset="0"/>
               </a:rPr>
-              <a:t>}</a:t>
+              <a:t>else if (town == "plovdiv") { /* TODO: check the price ranges …*/ }</a:t>
             </a:r>
           </a:p>
           <a:p>
@@ -16250,7 +16244,7 @@
               <a:buSzPct val="70000"/>
             </a:pPr>
             <a:r>
-              <a:rPr lang="en-US" sz="1800" b="1" noProof="1">
+              <a:rPr lang="en-US" sz="2000" b="1" noProof="1">
                 <a:solidFill>
                   <a:srgbClr val="FBEEDC"/>
                 </a:solidFill>
@@ -16264,7 +16258,7 @@
                 <a:latin typeface="Consolas" pitchFamily="49" charset="0"/>
                 <a:cs typeface="Consolas" pitchFamily="49" charset="0"/>
               </a:rPr>
-              <a:t>else if (town == "varna") { /* TODO: check the price ranges …*/ }</a:t>
+              <a:t>if (commission &gt;= 0)</a:t>
             </a:r>
           </a:p>
           <a:p>
@@ -16278,7 +16272,7 @@
               <a:buSzPct val="70000"/>
             </a:pPr>
             <a:r>
-              <a:rPr lang="en-US" sz="1800" b="1" noProof="1">
+              <a:rPr lang="en-US" sz="2000" b="1" noProof="1">
                 <a:solidFill>
                   <a:srgbClr val="FBEEDC"/>
                 </a:solidFill>
@@ -16292,7 +16286,44 @@
                 <a:latin typeface="Consolas" pitchFamily="49" charset="0"/>
                 <a:cs typeface="Consolas" pitchFamily="49" charset="0"/>
               </a:rPr>
-              <a:t>else if (town == "plovdiv") { /* TODO: check the price ranges …*/ }</a:t>
+              <a:t>    cout &lt;&lt; </a:t>
+            </a:r>
+            <a:r>
+              <a:rPr lang="en-US" sz="2000" b="1" noProof="1">
+                <a:solidFill>
+                  <a:schemeClr val="accent1">
+                    <a:lumMod val="60000"/>
+                    <a:lumOff val="40000"/>
+                  </a:schemeClr>
+                </a:solidFill>
+                <a:effectLst>
+                  <a:outerShdw blurRad="38100" dist="38100" dir="2700000" algn="tl">
+                    <a:srgbClr val="000000">
+                      <a:alpha val="43137"/>
+                    </a:srgbClr>
+                  </a:outerShdw>
+                </a:effectLst>
+                <a:latin typeface="Consolas" pitchFamily="49" charset="0"/>
+                <a:cs typeface="Consolas" pitchFamily="49" charset="0"/>
+              </a:rPr>
+              <a:t>setpercision(2)</a:t>
+            </a:r>
+            <a:r>
+              <a:rPr lang="en-US" sz="2000" b="1" noProof="1">
+                <a:solidFill>
+                  <a:srgbClr val="FBEEDC"/>
+                </a:solidFill>
+                <a:effectLst>
+                  <a:outerShdw blurRad="38100" dist="38100" dir="2700000" algn="tl">
+                    <a:srgbClr val="000000">
+                      <a:alpha val="43137"/>
+                    </a:srgbClr>
+                  </a:outerShdw>
+                </a:effectLst>
+                <a:latin typeface="Consolas" pitchFamily="49" charset="0"/>
+                <a:cs typeface="Consolas" pitchFamily="49" charset="0"/>
+              </a:rPr>
+              <a:t> &lt;&lt; sales * commission &lt;&lt; "\n";</a:t>
             </a:r>
           </a:p>
           <a:p>
@@ -16306,7 +16337,7 @@
               <a:buSzPct val="70000"/>
             </a:pPr>
             <a:r>
-              <a:rPr lang="en-US" sz="1800" b="1" noProof="1">
+              <a:rPr lang="en-US" sz="2000" b="1" noProof="1">
                 <a:solidFill>
                   <a:srgbClr val="FBEEDC"/>
                 </a:solidFill>
@@ -16320,7 +16351,7 @@
                 <a:latin typeface="Consolas" pitchFamily="49" charset="0"/>
                 <a:cs typeface="Consolas" pitchFamily="49" charset="0"/>
               </a:rPr>
-              <a:t>if (commission &gt;= 0)</a:t>
+              <a:t>else    </a:t>
             </a:r>
           </a:p>
           <a:p>
@@ -16334,100 +16365,7 @@
               <a:buSzPct val="70000"/>
             </a:pPr>
             <a:r>
-              <a:rPr lang="en-US" sz="1800" b="1" noProof="1">
-                <a:solidFill>
-                  <a:srgbClr val="FBEEDC"/>
-                </a:solidFill>
-                <a:effectLst>
-                  <a:outerShdw blurRad="38100" dist="38100" dir="2700000" algn="tl">
-                    <a:srgbClr val="000000">
-                      <a:alpha val="43137"/>
-                    </a:srgbClr>
-                  </a:outerShdw>
-                </a:effectLst>
-                <a:latin typeface="Consolas" pitchFamily="49" charset="0"/>
-                <a:cs typeface="Consolas" pitchFamily="49" charset="0"/>
-              </a:rPr>
-              <a:t>    cout &lt;&lt; </a:t>
-            </a:r>
-            <a:r>
-              <a:rPr lang="en-US" sz="1800" b="1" noProof="1">
-                <a:solidFill>
-                  <a:schemeClr val="accent1">
-                    <a:lumMod val="60000"/>
-                    <a:lumOff val="40000"/>
-                  </a:schemeClr>
-                </a:solidFill>
-                <a:effectLst>
-                  <a:outerShdw blurRad="38100" dist="38100" dir="2700000" algn="tl">
-                    <a:srgbClr val="000000">
-                      <a:alpha val="43137"/>
-                    </a:srgbClr>
-                  </a:outerShdw>
-                </a:effectLst>
-                <a:latin typeface="Consolas" pitchFamily="49" charset="0"/>
-                <a:cs typeface="Consolas" pitchFamily="49" charset="0"/>
-              </a:rPr>
-              <a:t>setpercision(2)</a:t>
-            </a:r>
-            <a:r>
-              <a:rPr lang="en-US" sz="1800" b="1" noProof="1">
-                <a:solidFill>
-                  <a:srgbClr val="FBEEDC"/>
-                </a:solidFill>
-                <a:effectLst>
-                  <a:outerShdw blurRad="38100" dist="38100" dir="2700000" algn="tl">
-                    <a:srgbClr val="000000">
-                      <a:alpha val="43137"/>
-                    </a:srgbClr>
-                  </a:outerShdw>
-                </a:effectLst>
-                <a:latin typeface="Consolas" pitchFamily="49" charset="0"/>
-                <a:cs typeface="Consolas" pitchFamily="49" charset="0"/>
-              </a:rPr>
-              <a:t> &lt;&lt; sales * commission &lt;&lt; "\n";</a:t>
-            </a:r>
-          </a:p>
-          <a:p>
-            <a:pPr eaLnBrk="0" hangingPunct="0">
-              <a:buClr>
-                <a:schemeClr val="accent5">
-                  <a:lumMod val="40000"/>
-                  <a:lumOff val="60000"/>
-                </a:schemeClr>
-              </a:buClr>
-              <a:buSzPct val="70000"/>
-            </a:pPr>
-            <a:r>
-              <a:rPr lang="en-US" sz="1800" b="1" noProof="1">
-                <a:solidFill>
-                  <a:srgbClr val="FBEEDC"/>
-                </a:solidFill>
-                <a:effectLst>
-                  <a:outerShdw blurRad="38100" dist="38100" dir="2700000" algn="tl">
-                    <a:srgbClr val="000000">
-                      <a:alpha val="43137"/>
-                    </a:srgbClr>
-                  </a:outerShdw>
-                </a:effectLst>
-                <a:latin typeface="Consolas" pitchFamily="49" charset="0"/>
-                <a:cs typeface="Consolas" pitchFamily="49" charset="0"/>
-              </a:rPr>
-              <a:t>else    </a:t>
-            </a:r>
-          </a:p>
-          <a:p>
-            <a:pPr eaLnBrk="0" hangingPunct="0">
-              <a:buClr>
-                <a:schemeClr val="accent5">
-                  <a:lumMod val="40000"/>
-                  <a:lumOff val="60000"/>
-                </a:schemeClr>
-              </a:buClr>
-              <a:buSzPct val="70000"/>
-            </a:pPr>
-            <a:r>
-              <a:rPr lang="en-US" sz="1800" b="1" noProof="1">
+              <a:rPr lang="en-US" sz="2000" b="1" noProof="1">
                 <a:solidFill>
                   <a:srgbClr val="FBEEDC"/>
                 </a:solidFill>
@@ -16482,6 +16420,247 @@
               <a:t>https://judge.softuni.bg/Contests/Practice/Index/153#7</a:t>
             </a:r>
             <a:endParaRPr lang="en-US" dirty="0"/>
+          </a:p>
+        </p:txBody>
+      </p:sp>
+      <p:sp>
+        <p:nvSpPr>
+          <p:cNvPr id="7" name="AutoShape 7"/>
+          <p:cNvSpPr>
+            <a:spLocks noChangeArrowheads="1"/>
+          </p:cNvSpPr>
+          <p:nvPr/>
+        </p:nvSpPr>
+        <p:spPr bwMode="auto">
+          <a:xfrm>
+            <a:off x="5484812" y="994778"/>
+            <a:ext cx="5909076" cy="1057146"/>
+          </a:xfrm>
+          <a:prstGeom prst="wedgeRoundRectCallout">
+            <a:avLst>
+              <a:gd name="adj1" fmla="val -90577"/>
+              <a:gd name="adj2" fmla="val -44696"/>
+              <a:gd name="adj3" fmla="val 16667"/>
+            </a:avLst>
+          </a:prstGeom>
+          <a:solidFill>
+            <a:srgbClr val="663606">
+              <a:alpha val="94902"/>
+            </a:srgbClr>
+          </a:solidFill>
+          <a:ln w="19050">
+            <a:solidFill>
+              <a:srgbClr val="F8D49E">
+                <a:alpha val="80000"/>
+              </a:srgbClr>
+            </a:solidFill>
+          </a:ln>
+        </p:spPr>
+        <p:style>
+          <a:lnRef idx="2">
+            <a:schemeClr val="accent1">
+              <a:shade val="50000"/>
+            </a:schemeClr>
+          </a:lnRef>
+          <a:fillRef idx="1">
+            <a:schemeClr val="accent1"/>
+          </a:fillRef>
+          <a:effectRef idx="0">
+            <a:schemeClr val="accent1"/>
+          </a:effectRef>
+          <a:fontRef idx="minor">
+            <a:schemeClr val="lt1"/>
+          </a:fontRef>
+        </p:style>
+        <p:txBody>
+          <a:bodyPr rot="0" spcFirstLastPara="0" vertOverflow="overflow" horzOverflow="overflow" vert="horz" wrap="square" lIns="91440" tIns="45720" rIns="91440" bIns="45720" numCol="1" spcCol="0" rtlCol="0" fromWordArt="0" anchor="ctr" anchorCtr="0" forceAA="0" compatLnSpc="1">
+            <a:prstTxWarp prst="textNoShape">
+              <a:avLst/>
+            </a:prstTxWarp>
+            <a:noAutofit/>
+          </a:bodyPr>
+          <a:lstStyle/>
+          <a:p>
+            <a:pPr algn="ctr"/>
+            <a:r>
+              <a:rPr lang="bg-BG" sz="2800" b="1" dirty="0">
+                <a:solidFill>
+                  <a:srgbClr val="FFFFFF"/>
+                </a:solidFill>
+                <a:effectLst>
+                  <a:outerShdw blurRad="38100" dist="38100" dir="2700000" algn="tl">
+                    <a:srgbClr val="000000">
+                      <a:alpha val="43137"/>
+                    </a:srgbClr>
+                  </a:outerShdw>
+                </a:effectLst>
+              </a:rPr>
+              <a:t>Зареждаме </a:t>
+            </a:r>
+            <a:r>
+              <a:rPr lang="en-US" sz="2800" b="1" dirty="0">
+                <a:solidFill>
+                  <a:srgbClr val="FFFFFF"/>
+                </a:solidFill>
+                <a:effectLst>
+                  <a:outerShdw blurRad="38100" dist="38100" dir="2700000" algn="tl">
+                    <a:srgbClr val="000000">
+                      <a:alpha val="43137"/>
+                    </a:srgbClr>
+                  </a:outerShdw>
+                </a:effectLst>
+              </a:rPr>
+              <a:t>&lt;</a:t>
+            </a:r>
+            <a:r>
+              <a:rPr lang="en-US" sz="2800" b="1" dirty="0" err="1">
+                <a:solidFill>
+                  <a:srgbClr val="FFFFFF"/>
+                </a:solidFill>
+                <a:effectLst>
+                  <a:outerShdw blurRad="38100" dist="38100" dir="2700000" algn="tl">
+                    <a:srgbClr val="000000">
+                      <a:alpha val="43137"/>
+                    </a:srgbClr>
+                  </a:outerShdw>
+                </a:effectLst>
+              </a:rPr>
+              <a:t>iomanip</a:t>
+            </a:r>
+            <a:r>
+              <a:rPr lang="en-US" sz="2800" b="1" dirty="0">
+                <a:solidFill>
+                  <a:srgbClr val="FFFFFF"/>
+                </a:solidFill>
+                <a:effectLst>
+                  <a:outerShdw blurRad="38100" dist="38100" dir="2700000" algn="tl">
+                    <a:srgbClr val="000000">
+                      <a:alpha val="43137"/>
+                    </a:srgbClr>
+                  </a:outerShdw>
+                </a:effectLst>
+              </a:rPr>
+              <a:t>&gt;</a:t>
+            </a:r>
+            <a:r>
+              <a:rPr lang="bg-BG" sz="2800" b="1" dirty="0">
+                <a:solidFill>
+                  <a:srgbClr val="FFFFFF"/>
+                </a:solidFill>
+                <a:effectLst>
+                  <a:outerShdw blurRad="38100" dist="38100" dir="2700000" algn="tl">
+                    <a:srgbClr val="000000">
+                      <a:alpha val="43137"/>
+                    </a:srgbClr>
+                  </a:outerShdw>
+                </a:effectLst>
+              </a:rPr>
+              <a:t>, за да използваме функцията </a:t>
+            </a:r>
+            <a:r>
+              <a:rPr lang="en-US" sz="2800" b="1" dirty="0" err="1">
+                <a:solidFill>
+                  <a:srgbClr val="FFFFFF"/>
+                </a:solidFill>
+                <a:effectLst>
+                  <a:outerShdw blurRad="38100" dist="38100" dir="2700000" algn="tl">
+                    <a:srgbClr val="000000">
+                      <a:alpha val="43137"/>
+                    </a:srgbClr>
+                  </a:outerShdw>
+                </a:effectLst>
+              </a:rPr>
+              <a:t>setpercision</a:t>
+            </a:r>
+            <a:endParaRPr lang="bg-BG" sz="2800" b="1" dirty="0">
+              <a:solidFill>
+                <a:srgbClr val="FFFFFF"/>
+              </a:solidFill>
+              <a:effectLst>
+                <a:outerShdw blurRad="38100" dist="38100" dir="2700000" algn="tl">
+                  <a:srgbClr val="000000">
+                    <a:alpha val="43137"/>
+                  </a:srgbClr>
+                </a:outerShdw>
+              </a:effectLst>
+            </a:endParaRPr>
+          </a:p>
+        </p:txBody>
+      </p:sp>
+      <p:sp>
+        <p:nvSpPr>
+          <p:cNvPr id="8" name="AutoShape 7"/>
+          <p:cNvSpPr>
+            <a:spLocks noChangeArrowheads="1"/>
+          </p:cNvSpPr>
+          <p:nvPr/>
+        </p:nvSpPr>
+        <p:spPr bwMode="auto">
+          <a:xfrm>
+            <a:off x="6551612" y="2051924"/>
+            <a:ext cx="4842276" cy="919876"/>
+          </a:xfrm>
+          <a:prstGeom prst="wedgeRoundRectCallout">
+            <a:avLst>
+              <a:gd name="adj1" fmla="val -7903"/>
+              <a:gd name="adj2" fmla="val -47899"/>
+              <a:gd name="adj3" fmla="val 16667"/>
+            </a:avLst>
+          </a:prstGeom>
+          <a:solidFill>
+            <a:srgbClr val="663606">
+              <a:alpha val="94902"/>
+            </a:srgbClr>
+          </a:solidFill>
+          <a:ln w="19050">
+            <a:solidFill>
+              <a:srgbClr val="F8D49E">
+                <a:alpha val="80000"/>
+              </a:srgbClr>
+            </a:solidFill>
+          </a:ln>
+        </p:spPr>
+        <p:style>
+          <a:lnRef idx="2">
+            <a:schemeClr val="accent1">
+              <a:shade val="50000"/>
+            </a:schemeClr>
+          </a:lnRef>
+          <a:fillRef idx="1">
+            <a:schemeClr val="accent1"/>
+          </a:fillRef>
+          <a:effectRef idx="0">
+            <a:schemeClr val="accent1"/>
+          </a:effectRef>
+          <a:fontRef idx="minor">
+            <a:schemeClr val="lt1"/>
+          </a:fontRef>
+        </p:style>
+        <p:txBody>
+          <a:bodyPr rot="0" spcFirstLastPara="0" vertOverflow="overflow" horzOverflow="overflow" vert="horz" wrap="square" lIns="91440" tIns="45720" rIns="91440" bIns="45720" numCol="1" spcCol="0" rtlCol="0" fromWordArt="0" anchor="ctr" anchorCtr="0" forceAA="0" compatLnSpc="1">
+            <a:prstTxWarp prst="textNoShape">
+              <a:avLst/>
+            </a:prstTxWarp>
+            <a:noAutofit/>
+          </a:bodyPr>
+          <a:lstStyle/>
+          <a:p>
+            <a:pPr algn="ctr"/>
+            <a:r>
+              <a:rPr lang="bg-BG" b="1" dirty="0">
+                <a:solidFill>
+                  <a:srgbClr val="FFFFFF"/>
+                </a:solidFill>
+                <a:effectLst>
+                  <a:outerShdw blurRad="38100" dist="38100" dir="2700000" algn="tl">
+                    <a:srgbClr val="000000">
+                      <a:alpha val="43137"/>
+                    </a:srgbClr>
+                  </a:outerShdw>
+                </a:effectLst>
+              </a:rPr>
+              <a:t>Тя фиксира броя на цифрите след десетичната запетая при печатане</a:t>
+            </a:r>
           </a:p>
         </p:txBody>
       </p:sp>

--- a/4. Complex-Conditions/4. Complex-Conditions.pptx
+++ b/4. Complex-Conditions/4. Complex-Conditions.pptx
@@ -140,7 +140,7 @@
   </p:defaultTextStyle>
   <p:extLst>
     <p:ext uri="{EFAFB233-063F-42B5-8137-9DF3F51BA10A}">
-      <p15:sldGuideLst xmlns:p15="http://schemas.microsoft.com/office/powerpoint/2012/main">
+      <p15:sldGuideLst xmlns:p15="http://schemas.microsoft.com/office/powerpoint/2012/main" xmlns="">
         <p15:guide id="1" orient="horz" pos="2160" userDrawn="1">
           <p15:clr>
             <a:srgbClr val="A4A3A4"/>
@@ -154,7 +154,7 @@
       </p15:sldGuideLst>
     </p:ext>
     <p:ext uri="{2D200454-40CA-4A62-9FC3-DE9A4176ACB9}">
-      <p15:notesGuideLst xmlns:p15="http://schemas.microsoft.com/office/powerpoint/2012/main">
+      <p15:notesGuideLst xmlns:p15="http://schemas.microsoft.com/office/powerpoint/2012/main" xmlns="">
         <p15:guide id="1" orient="horz" pos="2880">
           <p15:clr>
             <a:srgbClr val="A4A3A4"/>
@@ -254,7 +254,7 @@
             <a:fld id="{FE5B4EDC-59C0-49C7-8ADA-5A781B329E02}" type="datetimeFigureOut">
               <a:rPr lang="en-US"/>
               <a:pPr/>
-              <a:t>3/29/2017</a:t>
+              <a:t>5/17/2017</a:t>
             </a:fld>
             <a:endParaRPr dirty="0"/>
           </a:p>
@@ -453,7 +453,7 @@
             <a:fld id="{F2D8D46A-B586-417D-BFBD-8C8FE0AAF762}" type="datetimeFigureOut">
               <a:rPr lang="en-US" smtClean="0"/>
               <a:pPr/>
-              <a:t>3/29/2017</a:t>
+              <a:t>5/17/2017</a:t>
             </a:fld>
             <a:endParaRPr lang="en-US"/>
           </a:p>
@@ -2171,7 +2171,7 @@
             <a:fld id="{055373AC-9AA7-423B-BA00-BA1C74164DBD}" type="datetime1">
               <a:rPr lang="en-US" smtClean="0"/>
               <a:pPr/>
-              <a:t>3/29/2017</a:t>
+              <a:t>5/17/2017</a:t>
             </a:fld>
             <a:endParaRPr lang="en-US" dirty="0"/>
           </a:p>
@@ -3339,7 +3339,7 @@
             <a:fld id="{055373AC-9AA7-423B-BA00-BA1C74164DBD}" type="datetime1">
               <a:rPr lang="en-US" smtClean="0"/>
               <a:pPr/>
-              <a:t>3/29/2017</a:t>
+              <a:t>5/17/2017</a:t>
             </a:fld>
             <a:endParaRPr lang="en-US" dirty="0"/>
           </a:p>
@@ -3868,7 +3868,7 @@
   </p:txStyles>
   <p:extLst mod="1">
     <p:ext uri="{27BBF7A9-308A-43DC-89C8-2F10F3537804}">
-      <p15:sldGuideLst xmlns:p15="http://schemas.microsoft.com/office/powerpoint/2012/main">
+      <p15:sldGuideLst xmlns:p15="http://schemas.microsoft.com/office/powerpoint/2012/main" xmlns="">
         <p15:guide id="1" orient="horz" pos="2160" userDrawn="1">
           <p15:clr>
             <a:srgbClr val="F26B43"/>
@@ -4512,6 +4512,16 @@
               </a:rPr>
               <a:t>{x, y}</a:t>
             </a:r>
+            <a:r>
+              <a:rPr lang="bg-BG" b="1" dirty="0">
+                <a:solidFill>
+                  <a:schemeClr val="tx2">
+                    <a:lumMod val="75000"/>
+                  </a:schemeClr>
+                </a:solidFill>
+              </a:rPr>
+              <a:t/>
+            </a:r>
             <a:br>
               <a:rPr lang="bg-BG" b="1" dirty="0">
                 <a:solidFill>
@@ -5758,7 +5768,17 @@
               <a:rPr lang="en-US" dirty="0">
                 <a:hlinkClick r:id="rId2"/>
               </a:rPr>
-              <a:t>https://judge.softuni.bg/Contests/Practice/Index/153#2</a:t>
+              <a:t>https://</a:t>
+            </a:r>
+            <a:r>
+              <a:rPr lang="en-US" dirty="0" smtClean="0">
+                <a:hlinkClick r:id="rId2"/>
+              </a:rPr>
+              <a:t>judge.softuni.bg/Contests/Practice/Index/531#2</a:t>
+            </a:r>
+            <a:r>
+              <a:rPr lang="en-US" dirty="0" smtClean="0"/>
+              <a:t> </a:t>
             </a:r>
             <a:endParaRPr lang="en-US" dirty="0"/>
           </a:p>
@@ -6651,7 +6671,7 @@
               <a:buSzPct val="70000"/>
             </a:pPr>
             <a:r>
-              <a:rPr lang="en-US" sz="2600" b="1" noProof="1">
+              <a:rPr lang="en-US" sz="2600" b="1" noProof="1" smtClean="0">
                 <a:solidFill>
                   <a:srgbClr val="FBEEDC"/>
                 </a:solidFill>
@@ -6665,8 +6685,22 @@
                 <a:latin typeface="Consolas" pitchFamily="49" charset="0"/>
                 <a:cs typeface="Consolas" pitchFamily="49" charset="0"/>
               </a:rPr>
-              <a:t>java</a:t>
-            </a:r>
+              <a:t>C++</a:t>
+            </a:r>
+            <a:endParaRPr lang="en-US" sz="2600" b="1" noProof="1">
+              <a:solidFill>
+                <a:srgbClr val="FBEEDC"/>
+              </a:solidFill>
+              <a:effectLst>
+                <a:outerShdw blurRad="38100" dist="38100" dir="2700000" algn="tl">
+                  <a:srgbClr val="000000">
+                    <a:alpha val="43137"/>
+                  </a:srgbClr>
+                </a:outerShdw>
+              </a:effectLst>
+              <a:latin typeface="Consolas" pitchFamily="49" charset="0"/>
+              <a:cs typeface="Consolas" pitchFamily="49" charset="0"/>
+            </a:endParaRPr>
           </a:p>
         </p:txBody>
       </p:sp>
@@ -7247,13 +7281,23 @@
               <a:rPr lang="en-US" dirty="0">
                 <a:hlinkClick r:id="rId2"/>
               </a:rPr>
-              <a:t>https://judge.softuni.bg/Contests/Practice/Index/153#</a:t>
-            </a:r>
-            <a:r>
-              <a:rPr lang="bg-BG" dirty="0">
+              <a:t>https://</a:t>
+            </a:r>
+            <a:r>
+              <a:rPr lang="en-US" dirty="0" smtClean="0">
                 <a:hlinkClick r:id="rId2"/>
               </a:rPr>
-              <a:t>3</a:t>
+              <a:t>judge.softuni.bg/Contests/Practice/Index/531#</a:t>
+            </a:r>
+            <a:r>
+              <a:rPr lang="en-US" dirty="0" smtClean="0">
+                <a:hlinkClick r:id="rId2"/>
+              </a:rPr>
+              <a:t>9</a:t>
+            </a:r>
+            <a:r>
+              <a:rPr lang="en-US" dirty="0" smtClean="0"/>
+              <a:t> </a:t>
             </a:r>
             <a:endParaRPr lang="en-US" dirty="0"/>
           </a:p>
@@ -8655,13 +8699,23 @@
               <a:rPr lang="en-US" dirty="0">
                 <a:hlinkClick r:id="rId2"/>
               </a:rPr>
-              <a:t>https://judge.softuni.bg/Contests/Practice/Index/153#</a:t>
-            </a:r>
-            <a:r>
-              <a:rPr lang="bg-BG" dirty="0">
+              <a:t>https://</a:t>
+            </a:r>
+            <a:r>
+              <a:rPr lang="en-US" dirty="0" smtClean="0">
                 <a:hlinkClick r:id="rId2"/>
               </a:rPr>
-              <a:t>4</a:t>
+              <a:t>judge.softuni.bg/Contests/Practice/Index/531#</a:t>
+            </a:r>
+            <a:r>
+              <a:rPr lang="en-US" dirty="0" smtClean="0">
+                <a:hlinkClick r:id="rId2"/>
+              </a:rPr>
+              <a:t>8</a:t>
+            </a:r>
+            <a:r>
+              <a:rPr lang="en-US" dirty="0" smtClean="0"/>
+              <a:t> </a:t>
             </a:r>
             <a:endParaRPr lang="en-US" dirty="0"/>
           </a:p>
@@ -10585,6 +10639,23 @@
               </a:rPr>
               <a:t> </a:t>
             </a:r>
+            <a:r>
+              <a:rPr lang="bg-BG" sz="2600" b="1" noProof="1">
+                <a:solidFill>
+                  <a:srgbClr val="FBEEDC"/>
+                </a:solidFill>
+                <a:effectLst>
+                  <a:outerShdw blurRad="38100" dist="38100" dir="2700000" algn="tl">
+                    <a:srgbClr val="000000">
+                      <a:alpha val="43137"/>
+                    </a:srgbClr>
+                  </a:outerShdw>
+                </a:effectLst>
+                <a:latin typeface="Consolas" pitchFamily="49" charset="0"/>
+                <a:cs typeface="Consolas" pitchFamily="49" charset="0"/>
+              </a:rPr>
+              <a:t/>
+            </a:r>
             <a:br>
               <a:rPr lang="bg-BG" sz="2600" b="1" noProof="1">
                 <a:solidFill>
@@ -10764,13 +10835,23 @@
               <a:rPr lang="en-US" dirty="0">
                 <a:hlinkClick r:id="rId3"/>
               </a:rPr>
-              <a:t>https://judge.softuni.bg/Contests/Practice/Index/153#</a:t>
-            </a:r>
-            <a:r>
-              <a:rPr lang="bg-BG" dirty="0">
+              <a:t>https://</a:t>
+            </a:r>
+            <a:r>
+              <a:rPr lang="en-US" dirty="0" smtClean="0">
                 <a:hlinkClick r:id="rId3"/>
               </a:rPr>
-              <a:t>5</a:t>
+              <a:t>judge.softuni.bg/Contests/Practice/Index/531#</a:t>
+            </a:r>
+            <a:r>
+              <a:rPr lang="en-US" dirty="0" smtClean="0">
+                <a:hlinkClick r:id="rId3"/>
+              </a:rPr>
+              <a:t>11</a:t>
+            </a:r>
+            <a:r>
+              <a:rPr lang="en-US" dirty="0" smtClean="0"/>
+              <a:t> </a:t>
             </a:r>
             <a:endParaRPr lang="en-US" dirty="0"/>
           </a:p>
@@ -11419,56 +11500,56 @@
                 <a:gridCol w="983996">
                   <a:extLst>
                     <a:ext uri="{9D8B030D-6E8A-4147-A177-3AD203B41FA5}">
-                      <a16:colId xmlns:a16="http://schemas.microsoft.com/office/drawing/2014/main" val="20000"/>
+                      <a16:colId xmlns:a16="http://schemas.microsoft.com/office/drawing/2014/main" xmlns="" val="20000"/>
                     </a:ext>
                   </a:extLst>
                 </a:gridCol>
                 <a:gridCol w="1318260">
                   <a:extLst>
                     <a:ext uri="{9D8B030D-6E8A-4147-A177-3AD203B41FA5}">
-                      <a16:colId xmlns:a16="http://schemas.microsoft.com/office/drawing/2014/main" val="20001"/>
+                      <a16:colId xmlns:a16="http://schemas.microsoft.com/office/drawing/2014/main" xmlns="" val="20001"/>
                     </a:ext>
                   </a:extLst>
                 </a:gridCol>
                 <a:gridCol w="1042035">
                   <a:extLst>
                     <a:ext uri="{9D8B030D-6E8A-4147-A177-3AD203B41FA5}">
-                      <a16:colId xmlns:a16="http://schemas.microsoft.com/office/drawing/2014/main" val="20002"/>
+                      <a16:colId xmlns:a16="http://schemas.microsoft.com/office/drawing/2014/main" xmlns="" val="20002"/>
                     </a:ext>
                   </a:extLst>
                 </a:gridCol>
                 <a:gridCol w="1238377">
                   <a:extLst>
                     <a:ext uri="{9D8B030D-6E8A-4147-A177-3AD203B41FA5}">
-                      <a16:colId xmlns:a16="http://schemas.microsoft.com/office/drawing/2014/main" val="20003"/>
+                      <a16:colId xmlns:a16="http://schemas.microsoft.com/office/drawing/2014/main" xmlns="" val="20003"/>
                     </a:ext>
                   </a:extLst>
                 </a:gridCol>
                 <a:gridCol w="1690433">
                   <a:extLst>
                     <a:ext uri="{9D8B030D-6E8A-4147-A177-3AD203B41FA5}">
-                      <a16:colId xmlns:a16="http://schemas.microsoft.com/office/drawing/2014/main" val="20004"/>
+                      <a16:colId xmlns:a16="http://schemas.microsoft.com/office/drawing/2014/main" xmlns="" val="20004"/>
                     </a:ext>
                   </a:extLst>
                 </a:gridCol>
                 <a:gridCol w="851535">
                   <a:extLst>
                     <a:ext uri="{9D8B030D-6E8A-4147-A177-3AD203B41FA5}">
-                      <a16:colId xmlns:a16="http://schemas.microsoft.com/office/drawing/2014/main" val="20005"/>
+                      <a16:colId xmlns:a16="http://schemas.microsoft.com/office/drawing/2014/main" xmlns="" val="20005"/>
                     </a:ext>
                   </a:extLst>
                 </a:gridCol>
                 <a:gridCol w="1689735">
                   <a:extLst>
                     <a:ext uri="{9D8B030D-6E8A-4147-A177-3AD203B41FA5}">
-                      <a16:colId xmlns:a16="http://schemas.microsoft.com/office/drawing/2014/main" val="20006"/>
+                      <a16:colId xmlns:a16="http://schemas.microsoft.com/office/drawing/2014/main" xmlns="" val="20006"/>
                     </a:ext>
                   </a:extLst>
                 </a:gridCol>
                 <a:gridCol w="1192975">
                   <a:extLst>
                     <a:ext uri="{9D8B030D-6E8A-4147-A177-3AD203B41FA5}">
-                      <a16:colId xmlns:a16="http://schemas.microsoft.com/office/drawing/2014/main" val="20007"/>
+                      <a16:colId xmlns:a16="http://schemas.microsoft.com/office/drawing/2014/main" xmlns="" val="20007"/>
                     </a:ext>
                   </a:extLst>
                 </a:gridCol>
@@ -11926,7 +12007,7 @@
                 </a:tc>
                 <a:extLst>
                   <a:ext uri="{0D108BD9-81ED-4DB2-BD59-A6C34878D82A}">
-                    <a16:rowId xmlns:a16="http://schemas.microsoft.com/office/drawing/2014/main" val="10000"/>
+                    <a16:rowId xmlns:a16="http://schemas.microsoft.com/office/drawing/2014/main" xmlns="" val="10000"/>
                   </a:ext>
                 </a:extLst>
               </a:tr>
@@ -12299,7 +12380,7 @@
                 </a:tc>
                 <a:extLst>
                   <a:ext uri="{0D108BD9-81ED-4DB2-BD59-A6C34878D82A}">
-                    <a16:rowId xmlns:a16="http://schemas.microsoft.com/office/drawing/2014/main" val="10001"/>
+                    <a16:rowId xmlns:a16="http://schemas.microsoft.com/office/drawing/2014/main" xmlns="" val="10001"/>
                   </a:ext>
                 </a:extLst>
               </a:tr>
@@ -12329,56 +12410,56 @@
                 <a:gridCol w="983996">
                   <a:extLst>
                     <a:ext uri="{9D8B030D-6E8A-4147-A177-3AD203B41FA5}">
-                      <a16:colId xmlns:a16="http://schemas.microsoft.com/office/drawing/2014/main" val="20000"/>
+                      <a16:colId xmlns:a16="http://schemas.microsoft.com/office/drawing/2014/main" xmlns="" val="20000"/>
                     </a:ext>
                   </a:extLst>
                 </a:gridCol>
                 <a:gridCol w="1318260">
                   <a:extLst>
                     <a:ext uri="{9D8B030D-6E8A-4147-A177-3AD203B41FA5}">
-                      <a16:colId xmlns:a16="http://schemas.microsoft.com/office/drawing/2014/main" val="20001"/>
+                      <a16:colId xmlns:a16="http://schemas.microsoft.com/office/drawing/2014/main" xmlns="" val="20001"/>
                     </a:ext>
                   </a:extLst>
                 </a:gridCol>
                 <a:gridCol w="1042035">
                   <a:extLst>
                     <a:ext uri="{9D8B030D-6E8A-4147-A177-3AD203B41FA5}">
-                      <a16:colId xmlns:a16="http://schemas.microsoft.com/office/drawing/2014/main" val="20002"/>
+                      <a16:colId xmlns:a16="http://schemas.microsoft.com/office/drawing/2014/main" xmlns="" val="20002"/>
                     </a:ext>
                   </a:extLst>
                 </a:gridCol>
                 <a:gridCol w="1238377">
                   <a:extLst>
                     <a:ext uri="{9D8B030D-6E8A-4147-A177-3AD203B41FA5}">
-                      <a16:colId xmlns:a16="http://schemas.microsoft.com/office/drawing/2014/main" val="20003"/>
+                      <a16:colId xmlns:a16="http://schemas.microsoft.com/office/drawing/2014/main" xmlns="" val="20003"/>
                     </a:ext>
                   </a:extLst>
                 </a:gridCol>
                 <a:gridCol w="1690433">
                   <a:extLst>
                     <a:ext uri="{9D8B030D-6E8A-4147-A177-3AD203B41FA5}">
-                      <a16:colId xmlns:a16="http://schemas.microsoft.com/office/drawing/2014/main" val="20004"/>
+                      <a16:colId xmlns:a16="http://schemas.microsoft.com/office/drawing/2014/main" xmlns="" val="20004"/>
                     </a:ext>
                   </a:extLst>
                 </a:gridCol>
                 <a:gridCol w="851535">
                   <a:extLst>
                     <a:ext uri="{9D8B030D-6E8A-4147-A177-3AD203B41FA5}">
-                      <a16:colId xmlns:a16="http://schemas.microsoft.com/office/drawing/2014/main" val="20005"/>
+                      <a16:colId xmlns:a16="http://schemas.microsoft.com/office/drawing/2014/main" xmlns="" val="20005"/>
                     </a:ext>
                   </a:extLst>
                 </a:gridCol>
                 <a:gridCol w="1689735">
                   <a:extLst>
                     <a:ext uri="{9D8B030D-6E8A-4147-A177-3AD203B41FA5}">
-                      <a16:colId xmlns:a16="http://schemas.microsoft.com/office/drawing/2014/main" val="20006"/>
+                      <a16:colId xmlns:a16="http://schemas.microsoft.com/office/drawing/2014/main" xmlns="" val="20006"/>
                     </a:ext>
                   </a:extLst>
                 </a:gridCol>
                 <a:gridCol w="1192975">
                   <a:extLst>
                     <a:ext uri="{9D8B030D-6E8A-4147-A177-3AD203B41FA5}">
-                      <a16:colId xmlns:a16="http://schemas.microsoft.com/office/drawing/2014/main" val="20007"/>
+                      <a16:colId xmlns:a16="http://schemas.microsoft.com/office/drawing/2014/main" xmlns="" val="20007"/>
                     </a:ext>
                   </a:extLst>
                 </a:gridCol>
@@ -12844,7 +12925,7 @@
                 </a:tc>
                 <a:extLst>
                   <a:ext uri="{0D108BD9-81ED-4DB2-BD59-A6C34878D82A}">
-                    <a16:rowId xmlns:a16="http://schemas.microsoft.com/office/drawing/2014/main" val="10000"/>
+                    <a16:rowId xmlns:a16="http://schemas.microsoft.com/office/drawing/2014/main" xmlns="" val="10000"/>
                   </a:ext>
                 </a:extLst>
               </a:tr>
@@ -13197,7 +13278,7 @@
                 </a:tc>
                 <a:extLst>
                   <a:ext uri="{0D108BD9-81ED-4DB2-BD59-A6C34878D82A}">
-                    <a16:rowId xmlns:a16="http://schemas.microsoft.com/office/drawing/2014/main" val="10001"/>
+                    <a16:rowId xmlns:a16="http://schemas.microsoft.com/office/drawing/2014/main" xmlns="" val="10001"/>
                   </a:ext>
                 </a:extLst>
               </a:tr>
@@ -14204,7 +14285,17 @@
               <a:rPr lang="en-US" dirty="0">
                 <a:hlinkClick r:id="rId2"/>
               </a:rPr>
-              <a:t>https://judge.softuni.bg/Contests/Practice/Index/153#6</a:t>
+              <a:t>https://</a:t>
+            </a:r>
+            <a:r>
+              <a:rPr lang="en-US" dirty="0" smtClean="0">
+                <a:hlinkClick r:id="rId2"/>
+              </a:rPr>
+              <a:t>judge.softuni.bg/Contests/Practice/Index/531#7</a:t>
+            </a:r>
+            <a:r>
+              <a:rPr lang="en-US" dirty="0" smtClean="0"/>
+              <a:t> </a:t>
             </a:r>
             <a:endParaRPr lang="en-US" dirty="0"/>
           </a:p>
@@ -14435,35 +14526,35 @@
                 <a:gridCol w="1998367">
                   <a:extLst>
                     <a:ext uri="{9D8B030D-6E8A-4147-A177-3AD203B41FA5}">
-                      <a16:colId xmlns:a16="http://schemas.microsoft.com/office/drawing/2014/main" val="20000"/>
+                      <a16:colId xmlns:a16="http://schemas.microsoft.com/office/drawing/2014/main" xmlns="" val="20000"/>
                     </a:ext>
                   </a:extLst>
                 </a:gridCol>
                 <a:gridCol w="1767273">
                   <a:extLst>
                     <a:ext uri="{9D8B030D-6E8A-4147-A177-3AD203B41FA5}">
-                      <a16:colId xmlns:a16="http://schemas.microsoft.com/office/drawing/2014/main" val="20001"/>
+                      <a16:colId xmlns:a16="http://schemas.microsoft.com/office/drawing/2014/main" xmlns="" val="20001"/>
                     </a:ext>
                   </a:extLst>
                 </a:gridCol>
                 <a:gridCol w="2386947">
                   <a:extLst>
                     <a:ext uri="{9D8B030D-6E8A-4147-A177-3AD203B41FA5}">
-                      <a16:colId xmlns:a16="http://schemas.microsoft.com/office/drawing/2014/main" val="20002"/>
+                      <a16:colId xmlns:a16="http://schemas.microsoft.com/office/drawing/2014/main" xmlns="" val="20002"/>
                     </a:ext>
                   </a:extLst>
                 </a:gridCol>
                 <a:gridCol w="2826883">
                   <a:extLst>
                     <a:ext uri="{9D8B030D-6E8A-4147-A177-3AD203B41FA5}">
-                      <a16:colId xmlns:a16="http://schemas.microsoft.com/office/drawing/2014/main" val="20003"/>
+                      <a16:colId xmlns:a16="http://schemas.microsoft.com/office/drawing/2014/main" xmlns="" val="20003"/>
                     </a:ext>
                   </a:extLst>
                 </a:gridCol>
                 <a:gridCol w="1688530">
                   <a:extLst>
                     <a:ext uri="{9D8B030D-6E8A-4147-A177-3AD203B41FA5}">
-                      <a16:colId xmlns:a16="http://schemas.microsoft.com/office/drawing/2014/main" val="20004"/>
+                      <a16:colId xmlns:a16="http://schemas.microsoft.com/office/drawing/2014/main" xmlns="" val="20004"/>
                     </a:ext>
                   </a:extLst>
                 </a:gridCol>
@@ -14891,7 +14982,7 @@
                 </a:tc>
                 <a:extLst>
                   <a:ext uri="{0D108BD9-81ED-4DB2-BD59-A6C34878D82A}">
-                    <a16:rowId xmlns:a16="http://schemas.microsoft.com/office/drawing/2014/main" val="10000"/>
+                    <a16:rowId xmlns:a16="http://schemas.microsoft.com/office/drawing/2014/main" xmlns="" val="10000"/>
                   </a:ext>
                 </a:extLst>
               </a:tr>
@@ -15090,7 +15181,7 @@
                 </a:tc>
                 <a:extLst>
                   <a:ext uri="{0D108BD9-81ED-4DB2-BD59-A6C34878D82A}">
-                    <a16:rowId xmlns:a16="http://schemas.microsoft.com/office/drawing/2014/main" val="10001"/>
+                    <a16:rowId xmlns:a16="http://schemas.microsoft.com/office/drawing/2014/main" xmlns="" val="10001"/>
                   </a:ext>
                 </a:extLst>
               </a:tr>
@@ -15289,7 +15380,7 @@
                 </a:tc>
                 <a:extLst>
                   <a:ext uri="{0D108BD9-81ED-4DB2-BD59-A6C34878D82A}">
-                    <a16:rowId xmlns:a16="http://schemas.microsoft.com/office/drawing/2014/main" val="10002"/>
+                    <a16:rowId xmlns:a16="http://schemas.microsoft.com/office/drawing/2014/main" xmlns="" val="10002"/>
                   </a:ext>
                 </a:extLst>
               </a:tr>
@@ -15536,7 +15627,7 @@
                 </a:tc>
                 <a:extLst>
                   <a:ext uri="{0D108BD9-81ED-4DB2-BD59-A6C34878D82A}">
-                    <a16:rowId xmlns:a16="http://schemas.microsoft.com/office/drawing/2014/main" val="10003"/>
+                    <a16:rowId xmlns:a16="http://schemas.microsoft.com/office/drawing/2014/main" xmlns="" val="10003"/>
                   </a:ext>
                 </a:extLst>
               </a:tr>
@@ -16417,7 +16508,17 @@
               <a:rPr lang="en-US" dirty="0">
                 <a:hlinkClick r:id="rId2"/>
               </a:rPr>
-              <a:t>https://judge.softuni.bg/Contests/Practice/Index/153#7</a:t>
+              <a:t>https://</a:t>
+            </a:r>
+            <a:r>
+              <a:rPr lang="en-US" dirty="0" smtClean="0">
+                <a:hlinkClick r:id="rId2"/>
+              </a:rPr>
+              <a:t>judge.softuni.bg/Contests/Practice/Index/531#12</a:t>
+            </a:r>
+            <a:r>
+              <a:rPr lang="en-US" dirty="0" smtClean="0"/>
+              <a:t> </a:t>
             </a:r>
             <a:endParaRPr lang="en-US" dirty="0"/>
           </a:p>
@@ -21546,7 +21647,17 @@
               <a:rPr lang="en-US" dirty="0">
                 <a:hlinkClick r:id="rId2"/>
               </a:rPr>
-              <a:t>https://judge.softuni.bg/Contests/Practice/Index/153#0</a:t>
+              <a:t>https://</a:t>
+            </a:r>
+            <a:r>
+              <a:rPr lang="en-US" dirty="0" smtClean="0">
+                <a:hlinkClick r:id="rId2"/>
+              </a:rPr>
+              <a:t>judge.softuni.bg/Contests/Practice/Index/531#1</a:t>
+            </a:r>
+            <a:r>
+              <a:rPr lang="en-US" dirty="0" smtClean="0"/>
+              <a:t> </a:t>
             </a:r>
             <a:endParaRPr lang="en-US" dirty="0"/>
           </a:p>
@@ -21749,42 +21860,42 @@
                 <a:gridCol w="2313305">
                   <a:extLst>
                     <a:ext uri="{9D8B030D-6E8A-4147-A177-3AD203B41FA5}">
-                      <a16:colId xmlns:a16="http://schemas.microsoft.com/office/drawing/2014/main" val="20000"/>
+                      <a16:colId xmlns:a16="http://schemas.microsoft.com/office/drawing/2014/main" xmlns="" val="20000"/>
                     </a:ext>
                   </a:extLst>
                 </a:gridCol>
                 <a:gridCol w="1436284">
                   <a:extLst>
                     <a:ext uri="{9D8B030D-6E8A-4147-A177-3AD203B41FA5}">
-                      <a16:colId xmlns:a16="http://schemas.microsoft.com/office/drawing/2014/main" val="20001"/>
+                      <a16:colId xmlns:a16="http://schemas.microsoft.com/office/drawing/2014/main" xmlns="" val="20001"/>
                     </a:ext>
                   </a:extLst>
                 </a:gridCol>
                 <a:gridCol w="1135329">
                   <a:extLst>
                     <a:ext uri="{9D8B030D-6E8A-4147-A177-3AD203B41FA5}">
-                      <a16:colId xmlns:a16="http://schemas.microsoft.com/office/drawing/2014/main" val="20002"/>
+                      <a16:colId xmlns:a16="http://schemas.microsoft.com/office/drawing/2014/main" xmlns="" val="20002"/>
                     </a:ext>
                   </a:extLst>
                 </a:gridCol>
                 <a:gridCol w="1349250">
                   <a:extLst>
                     <a:ext uri="{9D8B030D-6E8A-4147-A177-3AD203B41FA5}">
-                      <a16:colId xmlns:a16="http://schemas.microsoft.com/office/drawing/2014/main" val="20003"/>
+                      <a16:colId xmlns:a16="http://schemas.microsoft.com/office/drawing/2014/main" xmlns="" val="20003"/>
                     </a:ext>
                   </a:extLst>
                 </a:gridCol>
                 <a:gridCol w="1266642">
                   <a:extLst>
                     <a:ext uri="{9D8B030D-6E8A-4147-A177-3AD203B41FA5}">
-                      <a16:colId xmlns:a16="http://schemas.microsoft.com/office/drawing/2014/main" val="20004"/>
+                      <a16:colId xmlns:a16="http://schemas.microsoft.com/office/drawing/2014/main" xmlns="" val="20004"/>
                     </a:ext>
                   </a:extLst>
                 </a:gridCol>
                 <a:gridCol w="1439744">
                   <a:extLst>
                     <a:ext uri="{9D8B030D-6E8A-4147-A177-3AD203B41FA5}">
-                      <a16:colId xmlns:a16="http://schemas.microsoft.com/office/drawing/2014/main" val="20005"/>
+                      <a16:colId xmlns:a16="http://schemas.microsoft.com/office/drawing/2014/main" xmlns="" val="20005"/>
                     </a:ext>
                   </a:extLst>
                 </a:gridCol>
@@ -22128,7 +22239,7 @@
                 </a:tc>
                 <a:extLst>
                   <a:ext uri="{0D108BD9-81ED-4DB2-BD59-A6C34878D82A}">
-                    <a16:rowId xmlns:a16="http://schemas.microsoft.com/office/drawing/2014/main" val="10000"/>
+                    <a16:rowId xmlns:a16="http://schemas.microsoft.com/office/drawing/2014/main" xmlns="" val="10000"/>
                   </a:ext>
                 </a:extLst>
               </a:tr>
@@ -22417,7 +22528,7 @@
                 </a:tc>
                 <a:extLst>
                   <a:ext uri="{0D108BD9-81ED-4DB2-BD59-A6C34878D82A}">
-                    <a16:rowId xmlns:a16="http://schemas.microsoft.com/office/drawing/2014/main" val="10001"/>
+                    <a16:rowId xmlns:a16="http://schemas.microsoft.com/office/drawing/2014/main" xmlns="" val="10001"/>
                   </a:ext>
                 </a:extLst>
               </a:tr>
@@ -22736,7 +22847,7 @@
                 </a:tc>
                 <a:extLst>
                   <a:ext uri="{0D108BD9-81ED-4DB2-BD59-A6C34878D82A}">
-                    <a16:rowId xmlns:a16="http://schemas.microsoft.com/office/drawing/2014/main" val="10002"/>
+                    <a16:rowId xmlns:a16="http://schemas.microsoft.com/office/drawing/2014/main" xmlns="" val="10002"/>
                   </a:ext>
                 </a:extLst>
               </a:tr>
@@ -23055,7 +23166,7 @@
                 </a:tc>
                 <a:extLst>
                   <a:ext uri="{0D108BD9-81ED-4DB2-BD59-A6C34878D82A}">
-                    <a16:rowId xmlns:a16="http://schemas.microsoft.com/office/drawing/2014/main" val="10003"/>
+                    <a16:rowId xmlns:a16="http://schemas.microsoft.com/office/drawing/2014/main" xmlns="" val="10003"/>
                   </a:ext>
                 </a:extLst>
               </a:tr>
@@ -24356,7 +24467,17 @@
               <a:rPr lang="en-US" dirty="0">
                 <a:hlinkClick r:id="rId2"/>
               </a:rPr>
-              <a:t>https://judge.softuni.bg/Contests/Practice/Index/153#1</a:t>
+              <a:t>https://</a:t>
+            </a:r>
+            <a:r>
+              <a:rPr lang="en-US" dirty="0" smtClean="0">
+                <a:hlinkClick r:id="rId2"/>
+              </a:rPr>
+              <a:t>judge.softuni.bg/Contests/Practice/Index/531#0</a:t>
+            </a:r>
+            <a:r>
+              <a:rPr lang="en-US" dirty="0" smtClean="0"/>
+              <a:t> </a:t>
             </a:r>
             <a:endParaRPr lang="en-US" dirty="0"/>
           </a:p>

--- a/4. Complex-Conditions/4. Complex-Conditions.pptx
+++ b/4. Complex-Conditions/4. Complex-Conditions.pptx
@@ -140,7 +140,7 @@
   </p:defaultTextStyle>
   <p:extLst>
     <p:ext uri="{EFAFB233-063F-42B5-8137-9DF3F51BA10A}">
-      <p15:sldGuideLst xmlns:p15="http://schemas.microsoft.com/office/powerpoint/2012/main" xmlns="">
+      <p15:sldGuideLst xmlns="" xmlns:p15="http://schemas.microsoft.com/office/powerpoint/2012/main">
         <p15:guide id="1" orient="horz" pos="2160" userDrawn="1">
           <p15:clr>
             <a:srgbClr val="A4A3A4"/>
@@ -154,7 +154,7 @@
       </p15:sldGuideLst>
     </p:ext>
     <p:ext uri="{2D200454-40CA-4A62-9FC3-DE9A4176ACB9}">
-      <p15:notesGuideLst xmlns:p15="http://schemas.microsoft.com/office/powerpoint/2012/main" xmlns="">
+      <p15:notesGuideLst xmlns="" xmlns:p15="http://schemas.microsoft.com/office/powerpoint/2012/main">
         <p15:guide id="1" orient="horz" pos="2880">
           <p15:clr>
             <a:srgbClr val="A4A3A4"/>
@@ -254,7 +254,7 @@
             <a:fld id="{FE5B4EDC-59C0-49C7-8ADA-5A781B329E02}" type="datetimeFigureOut">
               <a:rPr lang="en-US"/>
               <a:pPr/>
-              <a:t>5/17/2017</a:t>
+              <a:t>5/31/2017</a:t>
             </a:fld>
             <a:endParaRPr dirty="0"/>
           </a:p>
@@ -453,7 +453,7 @@
             <a:fld id="{F2D8D46A-B586-417D-BFBD-8C8FE0AAF762}" type="datetimeFigureOut">
               <a:rPr lang="en-US" smtClean="0"/>
               <a:pPr/>
-              <a:t>5/17/2017</a:t>
+              <a:t>5/31/2017</a:t>
             </a:fld>
             <a:endParaRPr lang="en-US"/>
           </a:p>
@@ -2171,7 +2171,7 @@
             <a:fld id="{055373AC-9AA7-423B-BA00-BA1C74164DBD}" type="datetime1">
               <a:rPr lang="en-US" smtClean="0"/>
               <a:pPr/>
-              <a:t>5/17/2017</a:t>
+              <a:t>5/31/2017</a:t>
             </a:fld>
             <a:endParaRPr lang="en-US" dirty="0"/>
           </a:p>
@@ -3339,7 +3339,7 @@
             <a:fld id="{055373AC-9AA7-423B-BA00-BA1C74164DBD}" type="datetime1">
               <a:rPr lang="en-US" smtClean="0"/>
               <a:pPr/>
-              <a:t>5/17/2017</a:t>
+              <a:t>5/31/2017</a:t>
             </a:fld>
             <a:endParaRPr lang="en-US" dirty="0"/>
           </a:p>
@@ -3868,7 +3868,7 @@
   </p:txStyles>
   <p:extLst mod="1">
     <p:ext uri="{27BBF7A9-308A-43DC-89C8-2F10F3537804}">
-      <p15:sldGuideLst xmlns:p15="http://schemas.microsoft.com/office/powerpoint/2012/main" xmlns="">
+      <p15:sldGuideLst xmlns="" xmlns:p15="http://schemas.microsoft.com/office/powerpoint/2012/main">
         <p15:guide id="1" orient="horz" pos="2160" userDrawn="1">
           <p15:clr>
             <a:srgbClr val="F26B43"/>
@@ -7287,13 +7287,7 @@
               <a:rPr lang="en-US" dirty="0" smtClean="0">
                 <a:hlinkClick r:id="rId2"/>
               </a:rPr>
-              <a:t>judge.softuni.bg/Contests/Practice/Index/531#</a:t>
-            </a:r>
-            <a:r>
-              <a:rPr lang="en-US" dirty="0" smtClean="0">
-                <a:hlinkClick r:id="rId2"/>
-              </a:rPr>
-              <a:t>9</a:t>
+              <a:t>judge.softuni.bg/Contests/Practice/Index/531#9</a:t>
             </a:r>
             <a:r>
               <a:rPr lang="en-US" dirty="0" smtClean="0"/>
@@ -8705,13 +8699,7 @@
               <a:rPr lang="en-US" dirty="0" smtClean="0">
                 <a:hlinkClick r:id="rId2"/>
               </a:rPr>
-              <a:t>judge.softuni.bg/Contests/Practice/Index/531#</a:t>
-            </a:r>
-            <a:r>
-              <a:rPr lang="en-US" dirty="0" smtClean="0">
-                <a:hlinkClick r:id="rId2"/>
-              </a:rPr>
-              <a:t>8</a:t>
+              <a:t>judge.softuni.bg/Contests/Practice/Index/531#8</a:t>
             </a:r>
             <a:r>
               <a:rPr lang="en-US" dirty="0" smtClean="0"/>
@@ -10841,13 +10829,7 @@
               <a:rPr lang="en-US" dirty="0" smtClean="0">
                 <a:hlinkClick r:id="rId3"/>
               </a:rPr>
-              <a:t>judge.softuni.bg/Contests/Practice/Index/531#</a:t>
-            </a:r>
-            <a:r>
-              <a:rPr lang="en-US" dirty="0" smtClean="0">
-                <a:hlinkClick r:id="rId3"/>
-              </a:rPr>
-              <a:t>11</a:t>
+              <a:t>judge.softuni.bg/Contests/Practice/Index/531#11</a:t>
             </a:r>
             <a:r>
               <a:rPr lang="en-US" dirty="0" smtClean="0"/>
@@ -11500,56 +11482,56 @@
                 <a:gridCol w="983996">
                   <a:extLst>
                     <a:ext uri="{9D8B030D-6E8A-4147-A177-3AD203B41FA5}">
-                      <a16:colId xmlns:a16="http://schemas.microsoft.com/office/drawing/2014/main" xmlns="" val="20000"/>
+                      <a16:colId xmlns="" xmlns:a16="http://schemas.microsoft.com/office/drawing/2014/main" val="20000"/>
                     </a:ext>
                   </a:extLst>
                 </a:gridCol>
                 <a:gridCol w="1318260">
                   <a:extLst>
                     <a:ext uri="{9D8B030D-6E8A-4147-A177-3AD203B41FA5}">
-                      <a16:colId xmlns:a16="http://schemas.microsoft.com/office/drawing/2014/main" xmlns="" val="20001"/>
+                      <a16:colId xmlns="" xmlns:a16="http://schemas.microsoft.com/office/drawing/2014/main" val="20001"/>
                     </a:ext>
                   </a:extLst>
                 </a:gridCol>
                 <a:gridCol w="1042035">
                   <a:extLst>
                     <a:ext uri="{9D8B030D-6E8A-4147-A177-3AD203B41FA5}">
-                      <a16:colId xmlns:a16="http://schemas.microsoft.com/office/drawing/2014/main" xmlns="" val="20002"/>
+                      <a16:colId xmlns="" xmlns:a16="http://schemas.microsoft.com/office/drawing/2014/main" val="20002"/>
                     </a:ext>
                   </a:extLst>
                 </a:gridCol>
                 <a:gridCol w="1238377">
                   <a:extLst>
                     <a:ext uri="{9D8B030D-6E8A-4147-A177-3AD203B41FA5}">
-                      <a16:colId xmlns:a16="http://schemas.microsoft.com/office/drawing/2014/main" xmlns="" val="20003"/>
+                      <a16:colId xmlns="" xmlns:a16="http://schemas.microsoft.com/office/drawing/2014/main" val="20003"/>
                     </a:ext>
                   </a:extLst>
                 </a:gridCol>
                 <a:gridCol w="1690433">
                   <a:extLst>
                     <a:ext uri="{9D8B030D-6E8A-4147-A177-3AD203B41FA5}">
-                      <a16:colId xmlns:a16="http://schemas.microsoft.com/office/drawing/2014/main" xmlns="" val="20004"/>
+                      <a16:colId xmlns="" xmlns:a16="http://schemas.microsoft.com/office/drawing/2014/main" val="20004"/>
                     </a:ext>
                   </a:extLst>
                 </a:gridCol>
                 <a:gridCol w="851535">
                   <a:extLst>
                     <a:ext uri="{9D8B030D-6E8A-4147-A177-3AD203B41FA5}">
-                      <a16:colId xmlns:a16="http://schemas.microsoft.com/office/drawing/2014/main" xmlns="" val="20005"/>
+                      <a16:colId xmlns="" xmlns:a16="http://schemas.microsoft.com/office/drawing/2014/main" val="20005"/>
                     </a:ext>
                   </a:extLst>
                 </a:gridCol>
                 <a:gridCol w="1689735">
                   <a:extLst>
                     <a:ext uri="{9D8B030D-6E8A-4147-A177-3AD203B41FA5}">
-                      <a16:colId xmlns:a16="http://schemas.microsoft.com/office/drawing/2014/main" xmlns="" val="20006"/>
+                      <a16:colId xmlns="" xmlns:a16="http://schemas.microsoft.com/office/drawing/2014/main" val="20006"/>
                     </a:ext>
                   </a:extLst>
                 </a:gridCol>
                 <a:gridCol w="1192975">
                   <a:extLst>
                     <a:ext uri="{9D8B030D-6E8A-4147-A177-3AD203B41FA5}">
-                      <a16:colId xmlns:a16="http://schemas.microsoft.com/office/drawing/2014/main" xmlns="" val="20007"/>
+                      <a16:colId xmlns="" xmlns:a16="http://schemas.microsoft.com/office/drawing/2014/main" val="20007"/>
                     </a:ext>
                   </a:extLst>
                 </a:gridCol>
@@ -12007,7 +11989,7 @@
                 </a:tc>
                 <a:extLst>
                   <a:ext uri="{0D108BD9-81ED-4DB2-BD59-A6C34878D82A}">
-                    <a16:rowId xmlns:a16="http://schemas.microsoft.com/office/drawing/2014/main" xmlns="" val="10000"/>
+                    <a16:rowId xmlns="" xmlns:a16="http://schemas.microsoft.com/office/drawing/2014/main" val="10000"/>
                   </a:ext>
                 </a:extLst>
               </a:tr>
@@ -12380,7 +12362,7 @@
                 </a:tc>
                 <a:extLst>
                   <a:ext uri="{0D108BD9-81ED-4DB2-BD59-A6C34878D82A}">
-                    <a16:rowId xmlns:a16="http://schemas.microsoft.com/office/drawing/2014/main" xmlns="" val="10001"/>
+                    <a16:rowId xmlns="" xmlns:a16="http://schemas.microsoft.com/office/drawing/2014/main" val="10001"/>
                   </a:ext>
                 </a:extLst>
               </a:tr>
@@ -12410,56 +12392,56 @@
                 <a:gridCol w="983996">
                   <a:extLst>
                     <a:ext uri="{9D8B030D-6E8A-4147-A177-3AD203B41FA5}">
-                      <a16:colId xmlns:a16="http://schemas.microsoft.com/office/drawing/2014/main" xmlns="" val="20000"/>
+                      <a16:colId xmlns="" xmlns:a16="http://schemas.microsoft.com/office/drawing/2014/main" val="20000"/>
                     </a:ext>
                   </a:extLst>
                 </a:gridCol>
                 <a:gridCol w="1318260">
                   <a:extLst>
                     <a:ext uri="{9D8B030D-6E8A-4147-A177-3AD203B41FA5}">
-                      <a16:colId xmlns:a16="http://schemas.microsoft.com/office/drawing/2014/main" xmlns="" val="20001"/>
+                      <a16:colId xmlns="" xmlns:a16="http://schemas.microsoft.com/office/drawing/2014/main" val="20001"/>
                     </a:ext>
                   </a:extLst>
                 </a:gridCol>
                 <a:gridCol w="1042035">
                   <a:extLst>
                     <a:ext uri="{9D8B030D-6E8A-4147-A177-3AD203B41FA5}">
-                      <a16:colId xmlns:a16="http://schemas.microsoft.com/office/drawing/2014/main" xmlns="" val="20002"/>
+                      <a16:colId xmlns="" xmlns:a16="http://schemas.microsoft.com/office/drawing/2014/main" val="20002"/>
                     </a:ext>
                   </a:extLst>
                 </a:gridCol>
                 <a:gridCol w="1238377">
                   <a:extLst>
                     <a:ext uri="{9D8B030D-6E8A-4147-A177-3AD203B41FA5}">
-                      <a16:colId xmlns:a16="http://schemas.microsoft.com/office/drawing/2014/main" xmlns="" val="20003"/>
+                      <a16:colId xmlns="" xmlns:a16="http://schemas.microsoft.com/office/drawing/2014/main" val="20003"/>
                     </a:ext>
                   </a:extLst>
                 </a:gridCol>
                 <a:gridCol w="1690433">
                   <a:extLst>
                     <a:ext uri="{9D8B030D-6E8A-4147-A177-3AD203B41FA5}">
-                      <a16:colId xmlns:a16="http://schemas.microsoft.com/office/drawing/2014/main" xmlns="" val="20004"/>
+                      <a16:colId xmlns="" xmlns:a16="http://schemas.microsoft.com/office/drawing/2014/main" val="20004"/>
                     </a:ext>
                   </a:extLst>
                 </a:gridCol>
                 <a:gridCol w="851535">
                   <a:extLst>
                     <a:ext uri="{9D8B030D-6E8A-4147-A177-3AD203B41FA5}">
-                      <a16:colId xmlns:a16="http://schemas.microsoft.com/office/drawing/2014/main" xmlns="" val="20005"/>
+                      <a16:colId xmlns="" xmlns:a16="http://schemas.microsoft.com/office/drawing/2014/main" val="20005"/>
                     </a:ext>
                   </a:extLst>
                 </a:gridCol>
                 <a:gridCol w="1689735">
                   <a:extLst>
                     <a:ext uri="{9D8B030D-6E8A-4147-A177-3AD203B41FA5}">
-                      <a16:colId xmlns:a16="http://schemas.microsoft.com/office/drawing/2014/main" xmlns="" val="20006"/>
+                      <a16:colId xmlns="" xmlns:a16="http://schemas.microsoft.com/office/drawing/2014/main" val="20006"/>
                     </a:ext>
                   </a:extLst>
                 </a:gridCol>
                 <a:gridCol w="1192975">
                   <a:extLst>
                     <a:ext uri="{9D8B030D-6E8A-4147-A177-3AD203B41FA5}">
-                      <a16:colId xmlns:a16="http://schemas.microsoft.com/office/drawing/2014/main" xmlns="" val="20007"/>
+                      <a16:colId xmlns="" xmlns:a16="http://schemas.microsoft.com/office/drawing/2014/main" val="20007"/>
                     </a:ext>
                   </a:extLst>
                 </a:gridCol>
@@ -12925,7 +12907,7 @@
                 </a:tc>
                 <a:extLst>
                   <a:ext uri="{0D108BD9-81ED-4DB2-BD59-A6C34878D82A}">
-                    <a16:rowId xmlns:a16="http://schemas.microsoft.com/office/drawing/2014/main" xmlns="" val="10000"/>
+                    <a16:rowId xmlns="" xmlns:a16="http://schemas.microsoft.com/office/drawing/2014/main" val="10000"/>
                   </a:ext>
                 </a:extLst>
               </a:tr>
@@ -13278,7 +13260,7 @@
                 </a:tc>
                 <a:extLst>
                   <a:ext uri="{0D108BD9-81ED-4DB2-BD59-A6C34878D82A}">
-                    <a16:rowId xmlns:a16="http://schemas.microsoft.com/office/drawing/2014/main" xmlns="" val="10001"/>
+                    <a16:rowId xmlns="" xmlns:a16="http://schemas.microsoft.com/office/drawing/2014/main" val="10001"/>
                   </a:ext>
                 </a:extLst>
               </a:tr>
@@ -14526,35 +14508,35 @@
                 <a:gridCol w="1998367">
                   <a:extLst>
                     <a:ext uri="{9D8B030D-6E8A-4147-A177-3AD203B41FA5}">
-                      <a16:colId xmlns:a16="http://schemas.microsoft.com/office/drawing/2014/main" xmlns="" val="20000"/>
+                      <a16:colId xmlns="" xmlns:a16="http://schemas.microsoft.com/office/drawing/2014/main" val="20000"/>
                     </a:ext>
                   </a:extLst>
                 </a:gridCol>
                 <a:gridCol w="1767273">
                   <a:extLst>
                     <a:ext uri="{9D8B030D-6E8A-4147-A177-3AD203B41FA5}">
-                      <a16:colId xmlns:a16="http://schemas.microsoft.com/office/drawing/2014/main" xmlns="" val="20001"/>
+                      <a16:colId xmlns="" xmlns:a16="http://schemas.microsoft.com/office/drawing/2014/main" val="20001"/>
                     </a:ext>
                   </a:extLst>
                 </a:gridCol>
                 <a:gridCol w="2386947">
                   <a:extLst>
                     <a:ext uri="{9D8B030D-6E8A-4147-A177-3AD203B41FA5}">
-                      <a16:colId xmlns:a16="http://schemas.microsoft.com/office/drawing/2014/main" xmlns="" val="20002"/>
+                      <a16:colId xmlns="" xmlns:a16="http://schemas.microsoft.com/office/drawing/2014/main" val="20002"/>
                     </a:ext>
                   </a:extLst>
                 </a:gridCol>
                 <a:gridCol w="2826883">
                   <a:extLst>
                     <a:ext uri="{9D8B030D-6E8A-4147-A177-3AD203B41FA5}">
-                      <a16:colId xmlns:a16="http://schemas.microsoft.com/office/drawing/2014/main" xmlns="" val="20003"/>
+                      <a16:colId xmlns="" xmlns:a16="http://schemas.microsoft.com/office/drawing/2014/main" val="20003"/>
                     </a:ext>
                   </a:extLst>
                 </a:gridCol>
                 <a:gridCol w="1688530">
                   <a:extLst>
                     <a:ext uri="{9D8B030D-6E8A-4147-A177-3AD203B41FA5}">
-                      <a16:colId xmlns:a16="http://schemas.microsoft.com/office/drawing/2014/main" xmlns="" val="20004"/>
+                      <a16:colId xmlns="" xmlns:a16="http://schemas.microsoft.com/office/drawing/2014/main" val="20004"/>
                     </a:ext>
                   </a:extLst>
                 </a:gridCol>
@@ -14982,7 +14964,7 @@
                 </a:tc>
                 <a:extLst>
                   <a:ext uri="{0D108BD9-81ED-4DB2-BD59-A6C34878D82A}">
-                    <a16:rowId xmlns:a16="http://schemas.microsoft.com/office/drawing/2014/main" xmlns="" val="10000"/>
+                    <a16:rowId xmlns="" xmlns:a16="http://schemas.microsoft.com/office/drawing/2014/main" val="10000"/>
                   </a:ext>
                 </a:extLst>
               </a:tr>
@@ -15181,7 +15163,7 @@
                 </a:tc>
                 <a:extLst>
                   <a:ext uri="{0D108BD9-81ED-4DB2-BD59-A6C34878D82A}">
-                    <a16:rowId xmlns:a16="http://schemas.microsoft.com/office/drawing/2014/main" xmlns="" val="10001"/>
+                    <a16:rowId xmlns="" xmlns:a16="http://schemas.microsoft.com/office/drawing/2014/main" val="10001"/>
                   </a:ext>
                 </a:extLst>
               </a:tr>
@@ -15380,7 +15362,7 @@
                 </a:tc>
                 <a:extLst>
                   <a:ext uri="{0D108BD9-81ED-4DB2-BD59-A6C34878D82A}">
-                    <a16:rowId xmlns:a16="http://schemas.microsoft.com/office/drawing/2014/main" xmlns="" val="10002"/>
+                    <a16:rowId xmlns="" xmlns:a16="http://schemas.microsoft.com/office/drawing/2014/main" val="10002"/>
                   </a:ext>
                 </a:extLst>
               </a:tr>
@@ -15627,7 +15609,7 @@
                 </a:tc>
                 <a:extLst>
                   <a:ext uri="{0D108BD9-81ED-4DB2-BD59-A6C34878D82A}">
-                    <a16:rowId xmlns:a16="http://schemas.microsoft.com/office/drawing/2014/main" xmlns="" val="10003"/>
+                    <a16:rowId xmlns="" xmlns:a16="http://schemas.microsoft.com/office/drawing/2014/main" val="10003"/>
                   </a:ext>
                 </a:extLst>
               </a:tr>
@@ -21860,42 +21842,42 @@
                 <a:gridCol w="2313305">
                   <a:extLst>
                     <a:ext uri="{9D8B030D-6E8A-4147-A177-3AD203B41FA5}">
-                      <a16:colId xmlns:a16="http://schemas.microsoft.com/office/drawing/2014/main" xmlns="" val="20000"/>
+                      <a16:colId xmlns="" xmlns:a16="http://schemas.microsoft.com/office/drawing/2014/main" val="20000"/>
                     </a:ext>
                   </a:extLst>
                 </a:gridCol>
                 <a:gridCol w="1436284">
                   <a:extLst>
                     <a:ext uri="{9D8B030D-6E8A-4147-A177-3AD203B41FA5}">
-                      <a16:colId xmlns:a16="http://schemas.microsoft.com/office/drawing/2014/main" xmlns="" val="20001"/>
+                      <a16:colId xmlns="" xmlns:a16="http://schemas.microsoft.com/office/drawing/2014/main" val="20001"/>
                     </a:ext>
                   </a:extLst>
                 </a:gridCol>
                 <a:gridCol w="1135329">
                   <a:extLst>
                     <a:ext uri="{9D8B030D-6E8A-4147-A177-3AD203B41FA5}">
-                      <a16:colId xmlns:a16="http://schemas.microsoft.com/office/drawing/2014/main" xmlns="" val="20002"/>
+                      <a16:colId xmlns="" xmlns:a16="http://schemas.microsoft.com/office/drawing/2014/main" val="20002"/>
                     </a:ext>
                   </a:extLst>
                 </a:gridCol>
                 <a:gridCol w="1349250">
                   <a:extLst>
                     <a:ext uri="{9D8B030D-6E8A-4147-A177-3AD203B41FA5}">
-                      <a16:colId xmlns:a16="http://schemas.microsoft.com/office/drawing/2014/main" xmlns="" val="20003"/>
+                      <a16:colId xmlns="" xmlns:a16="http://schemas.microsoft.com/office/drawing/2014/main" val="20003"/>
                     </a:ext>
                   </a:extLst>
                 </a:gridCol>
                 <a:gridCol w="1266642">
                   <a:extLst>
                     <a:ext uri="{9D8B030D-6E8A-4147-A177-3AD203B41FA5}">
-                      <a16:colId xmlns:a16="http://schemas.microsoft.com/office/drawing/2014/main" xmlns="" val="20004"/>
+                      <a16:colId xmlns="" xmlns:a16="http://schemas.microsoft.com/office/drawing/2014/main" val="20004"/>
                     </a:ext>
                   </a:extLst>
                 </a:gridCol>
                 <a:gridCol w="1439744">
                   <a:extLst>
                     <a:ext uri="{9D8B030D-6E8A-4147-A177-3AD203B41FA5}">
-                      <a16:colId xmlns:a16="http://schemas.microsoft.com/office/drawing/2014/main" xmlns="" val="20005"/>
+                      <a16:colId xmlns="" xmlns:a16="http://schemas.microsoft.com/office/drawing/2014/main" val="20005"/>
                     </a:ext>
                   </a:extLst>
                 </a:gridCol>
@@ -22239,7 +22221,7 @@
                 </a:tc>
                 <a:extLst>
                   <a:ext uri="{0D108BD9-81ED-4DB2-BD59-A6C34878D82A}">
-                    <a16:rowId xmlns:a16="http://schemas.microsoft.com/office/drawing/2014/main" xmlns="" val="10000"/>
+                    <a16:rowId xmlns="" xmlns:a16="http://schemas.microsoft.com/office/drawing/2014/main" val="10000"/>
                   </a:ext>
                 </a:extLst>
               </a:tr>
@@ -22528,7 +22510,7 @@
                 </a:tc>
                 <a:extLst>
                   <a:ext uri="{0D108BD9-81ED-4DB2-BD59-A6C34878D82A}">
-                    <a16:rowId xmlns:a16="http://schemas.microsoft.com/office/drawing/2014/main" xmlns="" val="10001"/>
+                    <a16:rowId xmlns="" xmlns:a16="http://schemas.microsoft.com/office/drawing/2014/main" val="10001"/>
                   </a:ext>
                 </a:extLst>
               </a:tr>
@@ -22847,7 +22829,7 @@
                 </a:tc>
                 <a:extLst>
                   <a:ext uri="{0D108BD9-81ED-4DB2-BD59-A6C34878D82A}">
-                    <a16:rowId xmlns:a16="http://schemas.microsoft.com/office/drawing/2014/main" xmlns="" val="10002"/>
+                    <a16:rowId xmlns="" xmlns:a16="http://schemas.microsoft.com/office/drawing/2014/main" val="10002"/>
                   </a:ext>
                 </a:extLst>
               </a:tr>
@@ -23166,7 +23148,7 @@
                 </a:tc>
                 <a:extLst>
                   <a:ext uri="{0D108BD9-81ED-4DB2-BD59-A6C34878D82A}">
-                    <a16:rowId xmlns:a16="http://schemas.microsoft.com/office/drawing/2014/main" xmlns="" val="10003"/>
+                    <a16:rowId xmlns="" xmlns:a16="http://schemas.microsoft.com/office/drawing/2014/main" val="10003"/>
                   </a:ext>
                 </a:extLst>
               </a:tr>
